--- a/result/ppt/猴子打字计划.pptx
+++ b/result/ppt/猴子打字计划.pptx
@@ -17,6 +17,14 @@
     <p:sldId id="265" r:id="rId11"/>
     <p:sldId id="266" r:id="rId12"/>
     <p:sldId id="267" r:id="rId13"/>
+    <p:sldId id="268" r:id="rId14"/>
+    <p:sldId id="269" r:id="rId15"/>
+    <p:sldId id="270" r:id="rId16"/>
+    <p:sldId id="271" r:id="rId17"/>
+    <p:sldId id="272" r:id="rId18"/>
+    <p:sldId id="273" r:id="rId19"/>
+    <p:sldId id="274" r:id="rId20"/>
+    <p:sldId id="275" r:id="rId21"/>
   </p:sldIdLst>
   <p:sldSz cx="9144000" cy="6858000" type="screen4x3"/>
   <p:notesSz cx="6858000" cy="9144000"/>
@@ -115,6 +123,22 @@
       </a:defRPr>
     </a:lvl9pPr>
   </p:defaultTextStyle>
+  <p:extLst>
+    <p:ext uri="{EFAFB233-063F-42B5-8137-9DF3F51BA10A}">
+      <p15:sldGuideLst xmlns:p15="http://schemas.microsoft.com/office/powerpoint/2012/main">
+        <p15:guide id="1" orient="horz" pos="2160">
+          <p15:clr>
+            <a:srgbClr val="A4A3A4"/>
+          </p15:clr>
+        </p15:guide>
+        <p15:guide id="2" pos="2880">
+          <p15:clr>
+            <a:srgbClr val="A4A3A4"/>
+          </p15:clr>
+        </p15:guide>
+      </p15:sldGuideLst>
+    </p:ext>
+  </p:extLst>
 </p:presentation>
 </file>
 
@@ -295,7 +319,7 @@
           </a:lstStyle>
           <a:p>
             <a:r>
-              <a:rPr lang="zh-CN" altLang="en-US" dirty="0" smtClean="0"/>
+              <a:rPr lang="zh-CN" altLang="en-US" dirty="0"/>
               <a:t>单击此处添加您的副标题</a:t>
             </a:r>
           </a:p>
@@ -335,21 +359,16 @@
           </a:lstStyle>
           <a:p>
             <a:r>
-              <a:rPr lang="zh-CN" altLang="en-US" dirty="0" smtClean="0"/>
+              <a:rPr lang="zh-CN" altLang="en-US" dirty="0"/>
               <a:t>单击此处</a:t>
             </a:r>
-            <a:r>
-              <a:rPr lang="en-US" altLang="zh-CN" dirty="0" smtClean="0"/>
-              <a:t/>
-            </a:r>
             <a:br>
-              <a:rPr lang="en-US" altLang="zh-CN" dirty="0" smtClean="0"/>
+              <a:rPr lang="en-US" altLang="zh-CN" dirty="0"/>
             </a:br>
             <a:r>
-              <a:rPr lang="zh-CN" altLang="en-US" dirty="0" smtClean="0"/>
+              <a:rPr lang="zh-CN" altLang="en-US" dirty="0"/>
               <a:t>添加您的标题文字</a:t>
             </a:r>
-            <a:endParaRPr lang="zh-CN" altLang="en-US" dirty="0"/>
           </a:p>
         </p:txBody>
       </p:sp>
@@ -417,16 +436,9 @@
   <p:clrMapOvr>
     <a:masterClrMapping/>
   </p:clrMapOvr>
-  <p:timing>
-    <p:tnLst>
-      <p:par>
-        <p:cTn id="1" dur="indefinite" restart="never" nodeType="tmRoot"/>
-      </p:par>
-    </p:tnLst>
-  </p:timing>
-  <p:extLst mod="1">
+  <p:extLst>
     <p:ext uri="{DCECCB84-F9BA-43D5-87BE-67443E8EF086}">
-      <p15:sldGuideLst xmlns:p15="http://schemas.microsoft.com/office/powerpoint/2012/main" xmlns="">
+      <p15:sldGuideLst xmlns:p15="http://schemas.microsoft.com/office/powerpoint/2012/main">
         <p15:guide id="1" orient="horz" pos="1620">
           <p15:clr>
             <a:srgbClr val="FBAE40"/>
@@ -486,7 +498,7 @@
           <a:lstStyle/>
           <a:p>
             <a:r>
-              <a:rPr lang="zh-CN" altLang="en-US" smtClean="0"/>
+              <a:rPr lang="zh-CN" altLang="en-US"/>
               <a:t>单击此处编辑母版标题样式</a:t>
             </a:r>
             <a:endParaRPr lang="en-US" dirty="0"/>
@@ -510,14 +522,14 @@
           <a:p>
             <a:pPr lvl="0"/>
             <a:r>
-              <a:rPr lang="zh-CN" altLang="en-US" smtClean="0"/>
+              <a:rPr lang="zh-CN" altLang="en-US"/>
               <a:t>单击此处编辑母版文本样式</a:t>
             </a:r>
           </a:p>
           <a:p>
             <a:pPr lvl="1"/>
             <a:r>
-              <a:rPr lang="zh-CN" altLang="en-US" smtClean="0"/>
+              <a:rPr lang="zh-CN" altLang="en-US"/>
               <a:t>第二级</a:t>
             </a:r>
           </a:p>
@@ -764,7 +776,7 @@
           <a:lstStyle/>
           <a:p>
             <a:r>
-              <a:rPr lang="zh-CN" altLang="en-US" smtClean="0"/>
+              <a:rPr lang="zh-CN" altLang="en-US"/>
               <a:t>单击此处编辑母版标题样式</a:t>
             </a:r>
             <a:endParaRPr lang="en-US" dirty="0"/>
@@ -793,14 +805,14 @@
           <a:p>
             <a:pPr lvl="0"/>
             <a:r>
-              <a:rPr lang="zh-CN" altLang="en-US" smtClean="0"/>
+              <a:rPr lang="zh-CN" altLang="en-US"/>
               <a:t>单击此处编辑母版文本样式</a:t>
             </a:r>
           </a:p>
           <a:p>
             <a:pPr lvl="1"/>
             <a:r>
-              <a:rPr lang="zh-CN" altLang="en-US" smtClean="0"/>
+              <a:rPr lang="zh-CN" altLang="en-US"/>
               <a:t>第二级</a:t>
             </a:r>
           </a:p>
@@ -917,7 +929,7 @@
           <a:lstStyle/>
           <a:p>
             <a:r>
-              <a:rPr lang="zh-CN" altLang="en-US" smtClean="0"/>
+              <a:rPr lang="zh-CN" altLang="en-US"/>
               <a:t>单击此处编辑母版标题样式</a:t>
             </a:r>
             <a:endParaRPr lang="en-US" dirty="0"/>
@@ -941,14 +953,14 @@
           <a:p>
             <a:pPr lvl="0"/>
             <a:r>
-              <a:rPr lang="zh-CN" altLang="en-US" smtClean="0"/>
+              <a:rPr lang="zh-CN" altLang="en-US"/>
               <a:t>单击此处编辑母版文本样式</a:t>
             </a:r>
           </a:p>
           <a:p>
             <a:pPr lvl="1"/>
             <a:r>
-              <a:rPr lang="zh-CN" altLang="en-US" smtClean="0"/>
+              <a:rPr lang="zh-CN" altLang="en-US"/>
               <a:t>第二级</a:t>
             </a:r>
           </a:p>
@@ -1083,7 +1095,7 @@
           </a:lstStyle>
           <a:p>
             <a:r>
-              <a:rPr lang="zh-CN" altLang="en-US" dirty="0" smtClean="0"/>
+              <a:rPr lang="zh-CN" altLang="en-US" dirty="0"/>
               <a:t>此处添加您的标题</a:t>
             </a:r>
             <a:endParaRPr lang="en-US" dirty="0"/>
@@ -1206,7 +1218,7 @@
           </a:lstStyle>
           <a:p>
             <a:r>
-              <a:rPr lang="zh-CN" altLang="en-US" dirty="0" smtClean="0"/>
+              <a:rPr lang="zh-CN" altLang="en-US" dirty="0"/>
               <a:t>单击此处添加您的副标题</a:t>
             </a:r>
             <a:endParaRPr lang="en-US" altLang="zh-CN" dirty="0"/>
@@ -1342,9 +1354,9 @@
   <p:clrMapOvr>
     <a:masterClrMapping/>
   </p:clrMapOvr>
-  <p:extLst mod="1">
+  <p:extLst>
     <p:ext uri="{DCECCB84-F9BA-43D5-87BE-67443E8EF086}">
-      <p15:sldGuideLst xmlns:p15="http://schemas.microsoft.com/office/powerpoint/2012/main" xmlns=""/>
+      <p15:sldGuideLst xmlns:p15="http://schemas.microsoft.com/office/powerpoint/2012/main"/>
     </p:ext>
   </p:extLst>
 </p:sldLayout>
@@ -1383,7 +1395,7 @@
           <a:lstStyle/>
           <a:p>
             <a:r>
-              <a:rPr lang="zh-CN" altLang="en-US" smtClean="0"/>
+              <a:rPr lang="zh-CN" altLang="en-US"/>
               <a:t>单击此处编辑母版标题样式</a:t>
             </a:r>
             <a:endParaRPr lang="en-US" dirty="0"/>
@@ -1412,14 +1424,14 @@
           <a:p>
             <a:pPr lvl="0"/>
             <a:r>
-              <a:rPr lang="zh-CN" altLang="en-US" smtClean="0"/>
+              <a:rPr lang="zh-CN" altLang="en-US"/>
               <a:t>单击此处编辑母版文本样式</a:t>
             </a:r>
           </a:p>
           <a:p>
             <a:pPr lvl="1"/>
             <a:r>
-              <a:rPr lang="zh-CN" altLang="en-US" smtClean="0"/>
+              <a:rPr lang="zh-CN" altLang="en-US"/>
               <a:t>第二级</a:t>
             </a:r>
           </a:p>
@@ -1447,14 +1459,14 @@
           <a:p>
             <a:pPr lvl="0"/>
             <a:r>
-              <a:rPr lang="zh-CN" altLang="en-US" smtClean="0"/>
+              <a:rPr lang="zh-CN" altLang="en-US"/>
               <a:t>单击此处编辑母版文本样式</a:t>
             </a:r>
           </a:p>
           <a:p>
             <a:pPr lvl="1"/>
             <a:r>
-              <a:rPr lang="zh-CN" altLang="en-US" smtClean="0"/>
+              <a:rPr lang="zh-CN" altLang="en-US"/>
               <a:t>第二级</a:t>
             </a:r>
           </a:p>
@@ -1576,7 +1588,7 @@
           <a:lstStyle/>
           <a:p>
             <a:r>
-              <a:rPr lang="zh-CN" altLang="en-US" smtClean="0"/>
+              <a:rPr lang="zh-CN" altLang="en-US"/>
               <a:t>单击此处编辑母版标题样式</a:t>
             </a:r>
             <a:endParaRPr lang="en-US" dirty="0"/>
@@ -1644,7 +1656,7 @@
           <a:p>
             <a:pPr lvl="0"/>
             <a:r>
-              <a:rPr lang="zh-CN" altLang="en-US" smtClean="0"/>
+              <a:rPr lang="zh-CN" altLang="en-US"/>
               <a:t>单击此处编辑母版文本样式</a:t>
             </a:r>
           </a:p>
@@ -1672,14 +1684,14 @@
           <a:p>
             <a:pPr lvl="0"/>
             <a:r>
-              <a:rPr lang="zh-CN" altLang="en-US" smtClean="0"/>
+              <a:rPr lang="zh-CN" altLang="en-US"/>
               <a:t>单击此处编辑母版文本样式</a:t>
             </a:r>
           </a:p>
           <a:p>
             <a:pPr lvl="1"/>
             <a:r>
-              <a:rPr lang="zh-CN" altLang="en-US" smtClean="0"/>
+              <a:rPr lang="zh-CN" altLang="en-US"/>
               <a:t>第二级</a:t>
             </a:r>
           </a:p>
@@ -1746,7 +1758,7 @@
           <a:p>
             <a:pPr lvl="0"/>
             <a:r>
-              <a:rPr lang="zh-CN" altLang="en-US" smtClean="0"/>
+              <a:rPr lang="zh-CN" altLang="en-US"/>
               <a:t>单击此处编辑母版文本样式</a:t>
             </a:r>
           </a:p>
@@ -1774,14 +1786,14 @@
           <a:p>
             <a:pPr lvl="0"/>
             <a:r>
-              <a:rPr lang="zh-CN" altLang="en-US" smtClean="0"/>
+              <a:rPr lang="zh-CN" altLang="en-US"/>
               <a:t>单击此处编辑母版文本样式</a:t>
             </a:r>
           </a:p>
           <a:p>
             <a:pPr lvl="1"/>
             <a:r>
-              <a:rPr lang="zh-CN" altLang="en-US" smtClean="0"/>
+              <a:rPr lang="zh-CN" altLang="en-US"/>
               <a:t>第二级</a:t>
             </a:r>
           </a:p>
@@ -1898,7 +1910,7 @@
           <a:lstStyle/>
           <a:p>
             <a:r>
-              <a:rPr lang="zh-CN" altLang="en-US" smtClean="0"/>
+              <a:rPr lang="zh-CN" altLang="en-US"/>
               <a:t>单击此处编辑母版标题样式</a:t>
             </a:r>
             <a:endParaRPr lang="en-US" dirty="0"/>
@@ -2322,7 +2334,7 @@
           </a:lstStyle>
           <a:p>
             <a:r>
-              <a:rPr lang="zh-CN" altLang="en-US" smtClean="0"/>
+              <a:rPr lang="zh-CN" altLang="en-US"/>
               <a:t>单击此处编辑母版标题样式</a:t>
             </a:r>
             <a:endParaRPr lang="en-US" dirty="0"/>
@@ -2381,14 +2393,14 @@
           <a:p>
             <a:pPr lvl="0"/>
             <a:r>
-              <a:rPr lang="zh-CN" altLang="en-US" smtClean="0"/>
+              <a:rPr lang="zh-CN" altLang="en-US"/>
               <a:t>单击此处编辑母版文本样式</a:t>
             </a:r>
           </a:p>
           <a:p>
             <a:pPr lvl="1"/>
             <a:r>
-              <a:rPr lang="zh-CN" altLang="en-US" smtClean="0"/>
+              <a:rPr lang="zh-CN" altLang="en-US"/>
               <a:t>第二级</a:t>
             </a:r>
           </a:p>
@@ -2453,7 +2465,7 @@
           <a:p>
             <a:pPr lvl="0"/>
             <a:r>
-              <a:rPr lang="zh-CN" altLang="en-US" smtClean="0"/>
+              <a:rPr lang="zh-CN" altLang="en-US"/>
               <a:t>单击此处编辑母版文本样式</a:t>
             </a:r>
           </a:p>
@@ -2704,7 +2716,7 @@
           </a:lstStyle>
           <a:p>
             <a:r>
-              <a:rPr lang="zh-CN" altLang="en-US" smtClean="0"/>
+              <a:rPr lang="zh-CN" altLang="en-US"/>
               <a:t>单击此处编辑母版标题样式</a:t>
             </a:r>
             <a:endParaRPr lang="en-US" dirty="0"/>
@@ -2769,7 +2781,7 @@
           </a:lstStyle>
           <a:p>
             <a:r>
-              <a:rPr lang="zh-CN" altLang="en-US" smtClean="0"/>
+              <a:rPr lang="zh-CN" altLang="en-US"/>
               <a:t>单击图标添加图片</a:t>
             </a:r>
             <a:endParaRPr lang="en-US" dirty="0"/>
@@ -2835,7 +2847,7 @@
           <a:p>
             <a:pPr lvl="0"/>
             <a:r>
-              <a:rPr lang="zh-CN" altLang="en-US" smtClean="0"/>
+              <a:rPr lang="zh-CN" altLang="en-US"/>
               <a:t>单击此处编辑母版文本样式</a:t>
             </a:r>
           </a:p>
@@ -3044,7 +3056,7 @@
           <a:lstStyle/>
           <a:p>
             <a:r>
-              <a:rPr lang="zh-CN" altLang="en-US" dirty="0" smtClean="0"/>
+              <a:rPr lang="zh-CN" altLang="en-US" dirty="0"/>
               <a:t>单击此处编辑母版标题样式</a:t>
             </a:r>
             <a:endParaRPr lang="en-US" dirty="0"/>
@@ -3197,14 +3209,14 @@
           <a:p>
             <a:pPr lvl="0"/>
             <a:r>
-              <a:rPr lang="zh-CN" altLang="en-US" dirty="0" smtClean="0"/>
+              <a:rPr lang="zh-CN" altLang="en-US" dirty="0"/>
               <a:t>单击此处编辑母版文本样式</a:t>
             </a:r>
           </a:p>
           <a:p>
             <a:pPr lvl="1"/>
             <a:r>
-              <a:rPr lang="zh-CN" altLang="en-US" dirty="0" smtClean="0"/>
+              <a:rPr lang="zh-CN" altLang="en-US" dirty="0"/>
               <a:t>第二级</a:t>
             </a:r>
           </a:p>
@@ -3576,9 +3588,9 @@
       </a:lvl9pPr>
     </p:otherStyle>
   </p:txStyles>
-  <p:extLst mod="1">
+  <p:extLst>
     <p:ext uri="{27BBF7A9-308A-43DC-89C8-2F10F3537804}">
-      <p15:sldGuideLst xmlns:p15="http://schemas.microsoft.com/office/powerpoint/2012/main" xmlns=""/>
+      <p15:sldGuideLst xmlns:p15="http://schemas.microsoft.com/office/powerpoint/2012/main"/>
     </p:ext>
   </p:extLst>
 </p:sldMaster>
@@ -3622,17 +3634,17 @@
           <a:lstStyle/>
           <a:p>
             <a:r>
-              <a:rPr lang="zh-CN" altLang="en-US" dirty="0" smtClean="0"/>
+              <a:rPr lang="zh-CN" altLang="en-US" dirty="0"/>
               <a:t>指导教师 王楚</a:t>
             </a:r>
-            <a:endParaRPr lang="en-US" altLang="zh-CN" dirty="0" smtClean="0"/>
-          </a:p>
-          <a:p>
-            <a:r>
-              <a:rPr lang="zh-CN" altLang="en-US" dirty="0" smtClean="0"/>
+            <a:endParaRPr lang="en-US" altLang="zh-CN" dirty="0"/>
+          </a:p>
+          <a:p>
+            <a:r>
+              <a:rPr lang="zh-CN" altLang="en-US" dirty="0"/>
               <a:t>周翟恩和 谢梓涵 李天桐</a:t>
             </a:r>
-            <a:endParaRPr lang="en-US" altLang="zh-CN" dirty="0" smtClean="0"/>
+            <a:endParaRPr lang="en-US" altLang="zh-CN" dirty="0"/>
           </a:p>
         </p:txBody>
       </p:sp>
@@ -3652,23 +3664,15 @@
           <a:lstStyle/>
           <a:p>
             <a:r>
-              <a:rPr lang="zh-CN" altLang="en-US" dirty="0" smtClean="0"/>
+              <a:rPr lang="zh-CN" altLang="en-US" dirty="0"/>
               <a:t>猴子打字计划</a:t>
             </a:r>
-            <a:r>
-              <a:rPr lang="en-US" altLang="zh-CN" dirty="0" smtClean="0"/>
-              <a:t/>
-            </a:r>
             <a:br>
-              <a:rPr lang="en-US" altLang="zh-CN" dirty="0" smtClean="0"/>
+              <a:rPr lang="en-US" altLang="zh-CN" dirty="0"/>
             </a:br>
             <a:r>
               <a:rPr lang="zh-CN" altLang="en-US" sz="2000" dirty="0"/>
-              <a:t>初</a:t>
-            </a:r>
-            <a:r>
-              <a:rPr lang="zh-CN" altLang="en-US" sz="2000" dirty="0" smtClean="0"/>
-              <a:t>一下学期信息组学段汇报</a:t>
+              <a:t>初一下学期信息组学段汇报</a:t>
             </a:r>
             <a:endParaRPr lang="zh-CN" altLang="en-US" dirty="0"/>
           </a:p>
@@ -3720,7 +3724,7 @@
           <a:lstStyle/>
           <a:p>
             <a:r>
-              <a:rPr lang="en-US" altLang="zh-CN" dirty="0" smtClean="0"/>
+              <a:rPr lang="en-US" altLang="zh-CN" dirty="0"/>
               <a:t>3</a:t>
             </a:r>
             <a:r>
@@ -3728,14 +3732,13 @@
               <a:t> </a:t>
             </a:r>
             <a:r>
-              <a:rPr lang="en-US" altLang="zh-CN" dirty="0" smtClean="0"/>
+              <a:rPr lang="en-US" altLang="zh-CN" dirty="0"/>
               <a:t>– </a:t>
             </a:r>
             <a:r>
-              <a:rPr lang="zh-CN" altLang="en-US" dirty="0" smtClean="0"/>
+              <a:rPr lang="zh-CN" altLang="en-US" dirty="0"/>
               <a:t>实现项目的步骤</a:t>
             </a:r>
-            <a:endParaRPr lang="zh-CN" altLang="en-US" dirty="0"/>
           </a:p>
         </p:txBody>
       </p:sp>
@@ -3760,13 +3763,9 @@
             </a:pPr>
             <a:r>
               <a:rPr lang="zh-CN" altLang="zh-CN" dirty="0"/>
-              <a:t>寻找一个合适的单</a:t>
-            </a:r>
-            <a:r>
-              <a:rPr lang="zh-CN" altLang="zh-CN" dirty="0" smtClean="0"/>
-              <a:t>词库</a:t>
-            </a:r>
-            <a:endParaRPr lang="en-US" altLang="zh-CN" dirty="0" smtClean="0"/>
+              <a:t>寻找一个合适的单词库</a:t>
+            </a:r>
+            <a:endParaRPr lang="en-US" altLang="zh-CN" dirty="0"/>
           </a:p>
           <a:p>
             <a:pPr marL="457200" indent="-457200">
@@ -3807,13 +3806,9 @@
             </a:r>
             <a:r>
               <a:rPr lang="zh-CN" altLang="zh-CN" dirty="0"/>
-              <a:t>的</a:t>
-            </a:r>
-            <a:r>
-              <a:rPr lang="zh-CN" altLang="zh-CN" dirty="0" smtClean="0"/>
-              <a:t>组合</a:t>
-            </a:r>
-            <a:endParaRPr lang="en-US" altLang="zh-CN" dirty="0" smtClean="0"/>
+              <a:t>的组合</a:t>
+            </a:r>
+            <a:endParaRPr lang="en-US" altLang="zh-CN" dirty="0"/>
           </a:p>
           <a:p>
             <a:pPr marL="457200" indent="-457200">
@@ -3822,13 +3817,9 @@
             </a:pPr>
             <a:r>
               <a:rPr lang="zh-CN" altLang="zh-CN" dirty="0"/>
-              <a:t>编写用于存储数据的结构体，后面所有函数封装到这个结构体</a:t>
-            </a:r>
-            <a:r>
-              <a:rPr lang="zh-CN" altLang="zh-CN" dirty="0" smtClean="0"/>
-              <a:t>里面</a:t>
-            </a:r>
-            <a:endParaRPr lang="en-US" altLang="zh-CN" dirty="0" smtClean="0"/>
+              <a:t>编写用于存储数据的结构体，后面所有函数封装到这个结构体里面</a:t>
+            </a:r>
+            <a:endParaRPr lang="en-US" altLang="zh-CN" dirty="0"/>
           </a:p>
           <a:p>
             <a:pPr marL="457200" indent="-457200">
@@ -3957,7 +3948,7 @@
           <a:lstStyle/>
           <a:p>
             <a:r>
-              <a:rPr lang="en-US" altLang="zh-CN" dirty="0" smtClean="0"/>
+              <a:rPr lang="en-US" altLang="zh-CN" dirty="0"/>
               <a:t>3</a:t>
             </a:r>
             <a:r>
@@ -3965,14 +3956,13 @@
               <a:t> </a:t>
             </a:r>
             <a:r>
-              <a:rPr lang="en-US" altLang="zh-CN" dirty="0" smtClean="0"/>
+              <a:rPr lang="en-US" altLang="zh-CN" dirty="0"/>
               <a:t>– </a:t>
             </a:r>
             <a:r>
-              <a:rPr lang="zh-CN" altLang="en-US" dirty="0" smtClean="0"/>
+              <a:rPr lang="zh-CN" altLang="en-US" dirty="0"/>
               <a:t>实现项目的步骤</a:t>
             </a:r>
-            <a:endParaRPr lang="zh-CN" altLang="en-US" dirty="0"/>
           </a:p>
         </p:txBody>
       </p:sp>
@@ -3995,16 +3985,12 @@
               <a:buNone/>
             </a:pPr>
             <a:r>
-              <a:rPr lang="en-US" altLang="zh-CN" dirty="0" smtClean="0"/>
+              <a:rPr lang="en-US" altLang="zh-CN" dirty="0"/>
               <a:t>5.  </a:t>
             </a:r>
             <a:r>
-              <a:rPr lang="zh-CN" altLang="zh-CN" dirty="0" smtClean="0"/>
-              <a:t>展示</a:t>
-            </a:r>
-            <a:r>
               <a:rPr lang="zh-CN" altLang="zh-CN" dirty="0"/>
-              <a:t>用程序，将会从</a:t>
+              <a:t>展示用程序，将会从</a:t>
             </a:r>
             <a:r>
               <a:rPr lang="en-US" altLang="zh-CN" dirty="0"/>
@@ -4020,29 +4006,21 @@
             </a:r>
             <a:r>
               <a:rPr lang="zh-CN" altLang="zh-CN" dirty="0"/>
-              <a:t>节点：每一次采用随机一个组合的方法找到下一步，然后用递归的方法找到路径，并</a:t>
-            </a:r>
-            <a:r>
-              <a:rPr lang="zh-CN" altLang="zh-CN" dirty="0" smtClean="0"/>
-              <a:t>输出</a:t>
-            </a:r>
-            <a:endParaRPr lang="en-US" altLang="zh-CN" dirty="0" smtClean="0"/>
+              <a:t>节点：每一次采用随机一个组合的方法找到下一步，然后用递归的方法找到路径，并输出</a:t>
+            </a:r>
+            <a:endParaRPr lang="en-US" altLang="zh-CN" dirty="0"/>
           </a:p>
           <a:p>
             <a:pPr marL="0" indent="0">
               <a:buNone/>
             </a:pPr>
             <a:r>
-              <a:rPr lang="en-US" altLang="zh-CN" dirty="0" smtClean="0"/>
+              <a:rPr lang="en-US" altLang="zh-CN" dirty="0"/>
               <a:t>6.  </a:t>
             </a:r>
             <a:r>
-              <a:rPr lang="zh-CN" altLang="zh-CN" dirty="0" smtClean="0"/>
-              <a:t>进行</a:t>
-            </a:r>
-            <a:r>
               <a:rPr lang="zh-CN" altLang="zh-CN" dirty="0"/>
-              <a:t>量化分析，也就是类似于测算生成出的</a:t>
+              <a:t>进行量化分析，也就是类似于测算生成出的</a:t>
             </a:r>
             <a:r>
               <a:rPr lang="en-US" altLang="zh-CN" dirty="0"/>
@@ -4061,7 +4039,7 @@
               <a:t>聪明</a:t>
             </a:r>
             <a:r>
-              <a:rPr lang="en-US" altLang="zh-CN" dirty="0" smtClean="0"/>
+              <a:rPr lang="en-US" altLang="zh-CN" dirty="0"/>
               <a:t>”</a:t>
             </a:r>
           </a:p>
@@ -4113,14 +4091,13 @@
           <a:lstStyle/>
           <a:p>
             <a:r>
-              <a:rPr lang="en-US" altLang="zh-CN" dirty="0" smtClean="0"/>
+              <a:rPr lang="en-US" altLang="zh-CN" dirty="0"/>
               <a:t>4 – </a:t>
             </a:r>
             <a:r>
-              <a:rPr lang="zh-CN" altLang="en-US" dirty="0" smtClean="0"/>
+              <a:rPr lang="zh-CN" altLang="en-US" dirty="0"/>
               <a:t>小组分工</a:t>
             </a:r>
-            <a:endParaRPr lang="zh-CN" altLang="en-US" dirty="0"/>
           </a:p>
         </p:txBody>
       </p:sp>
@@ -4140,94 +4117,90 @@
           <a:lstStyle/>
           <a:p>
             <a:r>
-              <a:rPr lang="zh-CN" altLang="en-US" dirty="0" smtClean="0"/>
+              <a:rPr lang="zh-CN" altLang="en-US" dirty="0"/>
               <a:t>周翟恩和负责完成第</a:t>
             </a:r>
             <a:r>
-              <a:rPr lang="en-US" altLang="zh-CN" dirty="0" smtClean="0"/>
+              <a:rPr lang="en-US" altLang="zh-CN" dirty="0"/>
               <a:t>2~5</a:t>
             </a:r>
             <a:r>
-              <a:rPr lang="zh-CN" altLang="en-US" dirty="0" smtClean="0"/>
+              <a:rPr lang="zh-CN" altLang="en-US" dirty="0"/>
               <a:t>步</a:t>
             </a:r>
-            <a:endParaRPr lang="en-US" altLang="zh-CN" dirty="0" smtClean="0"/>
-          </a:p>
-          <a:p>
-            <a:r>
-              <a:rPr lang="zh-CN" altLang="en-US" dirty="0" smtClean="0"/>
+            <a:endParaRPr lang="en-US" altLang="zh-CN" dirty="0"/>
+          </a:p>
+          <a:p>
+            <a:r>
+              <a:rPr lang="zh-CN" altLang="en-US" dirty="0"/>
               <a:t>谢梓涵负责完成</a:t>
             </a:r>
             <a:r>
-              <a:rPr lang="en-US" altLang="zh-CN" dirty="0" smtClean="0"/>
+              <a:rPr lang="en-US" altLang="zh-CN" dirty="0"/>
               <a:t>API</a:t>
             </a:r>
             <a:r>
-              <a:rPr lang="zh-CN" altLang="en-US" dirty="0" smtClean="0"/>
+              <a:rPr lang="zh-CN" altLang="en-US" dirty="0"/>
               <a:t>以及对代码进行常熟优化</a:t>
             </a:r>
-            <a:endParaRPr lang="en-US" altLang="zh-CN" dirty="0" smtClean="0"/>
-          </a:p>
-          <a:p>
-            <a:r>
-              <a:rPr lang="zh-CN" altLang="en-US" dirty="0" smtClean="0"/>
+            <a:endParaRPr lang="en-US" altLang="zh-CN" dirty="0"/>
+          </a:p>
+          <a:p>
+            <a:r>
+              <a:rPr lang="zh-CN" altLang="en-US" dirty="0"/>
               <a:t>李天桐负责完成</a:t>
             </a:r>
             <a:r>
-              <a:rPr lang="en-US" altLang="zh-CN" dirty="0" smtClean="0"/>
+              <a:rPr lang="en-US" altLang="zh-CN" dirty="0"/>
               <a:t>1</a:t>
             </a:r>
             <a:r>
-              <a:rPr lang="zh-CN" altLang="en-US" dirty="0" smtClean="0"/>
+              <a:rPr lang="zh-CN" altLang="en-US" dirty="0"/>
               <a:t>，</a:t>
             </a:r>
             <a:r>
-              <a:rPr lang="en-US" altLang="zh-CN" dirty="0" smtClean="0"/>
+              <a:rPr lang="en-US" altLang="zh-CN" dirty="0"/>
               <a:t>5</a:t>
             </a:r>
             <a:r>
-              <a:rPr lang="zh-CN" altLang="en-US" dirty="0" smtClean="0"/>
+              <a:rPr lang="zh-CN" altLang="en-US" dirty="0"/>
               <a:t>，</a:t>
             </a:r>
             <a:r>
-              <a:rPr lang="en-US" altLang="zh-CN" dirty="0" smtClean="0"/>
+              <a:rPr lang="en-US" altLang="zh-CN" dirty="0"/>
               <a:t>6</a:t>
             </a:r>
             <a:r>
-              <a:rPr lang="zh-CN" altLang="en-US" dirty="0" smtClean="0"/>
+              <a:rPr lang="zh-CN" altLang="en-US" dirty="0"/>
               <a:t>步</a:t>
             </a:r>
-            <a:endParaRPr lang="en-US" altLang="zh-CN" dirty="0" smtClean="0"/>
-          </a:p>
-          <a:p>
             <a:endParaRPr lang="en-US" altLang="zh-CN" dirty="0"/>
           </a:p>
           <a:p>
-            <a:r>
-              <a:rPr lang="zh-CN" altLang="en-US" dirty="0" smtClean="0"/>
+            <a:endParaRPr lang="en-US" altLang="zh-CN" dirty="0"/>
+          </a:p>
+          <a:p>
+            <a:r>
+              <a:rPr lang="zh-CN" altLang="en-US" dirty="0"/>
               <a:t>所有人都要完成论文的一部分。</a:t>
             </a:r>
-            <a:endParaRPr lang="en-US" altLang="zh-CN" dirty="0" smtClean="0"/>
-          </a:p>
-          <a:p>
-            <a:r>
-              <a:rPr lang="zh-CN" altLang="en-US" dirty="0"/>
-              <a:t>所</a:t>
-            </a:r>
-            <a:r>
-              <a:rPr lang="zh-CN" altLang="en-US" dirty="0" smtClean="0"/>
-              <a:t>用平台为</a:t>
-            </a:r>
-            <a:r>
-              <a:rPr lang="en-US" altLang="zh-CN" dirty="0" err="1" smtClean="0"/>
+            <a:endParaRPr lang="en-US" altLang="zh-CN" dirty="0"/>
+          </a:p>
+          <a:p>
+            <a:r>
+              <a:rPr lang="zh-CN" altLang="en-US" dirty="0"/>
+              <a:t>所用平台为</a:t>
+            </a:r>
+            <a:r>
+              <a:rPr lang="en-US" altLang="zh-CN" dirty="0" err="1"/>
               <a:t>GitHub</a:t>
             </a:r>
             <a:r>
-              <a:rPr lang="zh-CN" altLang="en-US" dirty="0" smtClean="0"/>
+              <a:rPr lang="zh-CN" altLang="en-US" dirty="0"/>
               <a:t>及</a:t>
             </a:r>
             <a:r>
-              <a:rPr lang="en-US" altLang="zh-CN" dirty="0" err="1" smtClean="0"/>
+              <a:rPr lang="en-US" altLang="zh-CN" dirty="0" err="1"/>
               <a:t>EtherPad</a:t>
             </a:r>
             <a:endParaRPr lang="zh-CN" altLang="en-US" dirty="0"/>
@@ -4238,6 +4211,2350 @@
     <p:extLst>
       <p:ext uri="{BB962C8B-B14F-4D97-AF65-F5344CB8AC3E}">
         <p14:creationId xmlns:p14="http://schemas.microsoft.com/office/powerpoint/2010/main" val="711023093"/>
+      </p:ext>
+    </p:extLst>
+  </p:cSld>
+  <p:clrMapOvr>
+    <a:masterClrMapping/>
+  </p:clrMapOvr>
+</p:sld>
+</file>
+
+<file path=ppt/slides/slide13.xml><?xml version="1.0" encoding="utf-8"?>
+<p:sld xmlns:a="http://schemas.openxmlformats.org/drawingml/2006/main" xmlns:r="http://schemas.openxmlformats.org/officeDocument/2006/relationships" xmlns:p="http://schemas.openxmlformats.org/presentationml/2006/main">
+  <p:cSld>
+    <p:spTree>
+      <p:nvGrpSpPr>
+        <p:cNvPr id="1" name=""/>
+        <p:cNvGrpSpPr/>
+        <p:nvPr/>
+      </p:nvGrpSpPr>
+      <p:grpSpPr>
+        <a:xfrm>
+          <a:off x="0" y="0"/>
+          <a:ext cx="0" cy="0"/>
+          <a:chOff x="0" y="0"/>
+          <a:chExt cx="0" cy="0"/>
+        </a:xfrm>
+      </p:grpSpPr>
+      <p:sp>
+        <p:nvSpPr>
+          <p:cNvPr id="2" name="标题 1">
+            <a:extLst>
+              <a:ext uri="{FF2B5EF4-FFF2-40B4-BE49-F238E27FC236}">
+                <a16:creationId xmlns:a16="http://schemas.microsoft.com/office/drawing/2014/main" id="{A8B73412-AE41-4361-8EC9-DEA932D8CB03}"/>
+              </a:ext>
+            </a:extLst>
+          </p:cNvPr>
+          <p:cNvSpPr>
+            <a:spLocks noGrp="1"/>
+          </p:cNvSpPr>
+          <p:nvPr>
+            <p:ph type="title"/>
+          </p:nvPr>
+        </p:nvSpPr>
+        <p:spPr/>
+        <p:txBody>
+          <a:bodyPr/>
+          <a:lstStyle/>
+          <a:p>
+            <a:r>
+              <a:rPr lang="en-US" altLang="zh-CN" dirty="0"/>
+              <a:t>5 – </a:t>
+            </a:r>
+            <a:r>
+              <a:rPr lang="zh-CN" altLang="en-US" dirty="0"/>
+              <a:t>实现过程</a:t>
+            </a:r>
+            <a:r>
+              <a:rPr lang="en-US" altLang="zh-CN" dirty="0"/>
+              <a:t> </a:t>
+            </a:r>
+            <a:r>
+              <a:rPr lang="zh-CN" altLang="en-US" dirty="0"/>
+              <a:t>（</a:t>
+            </a:r>
+            <a:r>
+              <a:rPr lang="zh-CN" altLang="zh-CN" dirty="0"/>
+              <a:t>单词库</a:t>
+            </a:r>
+            <a:r>
+              <a:rPr lang="zh-CN" altLang="en-US" dirty="0"/>
+              <a:t>）</a:t>
+            </a:r>
+          </a:p>
+        </p:txBody>
+      </p:sp>
+      <p:sp>
+        <p:nvSpPr>
+          <p:cNvPr id="3" name="内容占位符 2">
+            <a:extLst>
+              <a:ext uri="{FF2B5EF4-FFF2-40B4-BE49-F238E27FC236}">
+                <a16:creationId xmlns:a16="http://schemas.microsoft.com/office/drawing/2014/main" id="{66881922-627E-4C83-B8B4-F20517BD6CF9}"/>
+              </a:ext>
+            </a:extLst>
+          </p:cNvPr>
+          <p:cNvSpPr>
+            <a:spLocks noGrp="1"/>
+          </p:cNvSpPr>
+          <p:nvPr>
+            <p:ph idx="1"/>
+          </p:nvPr>
+        </p:nvSpPr>
+        <p:spPr/>
+        <p:txBody>
+          <a:bodyPr/>
+          <a:lstStyle/>
+          <a:p>
+            <a:r>
+              <a:rPr lang="zh-CN" altLang="zh-CN" dirty="0"/>
+              <a:t>我们采用了英语四级词汇，大约有</a:t>
+            </a:r>
+            <a:r>
+              <a:rPr lang="en-US" altLang="zh-CN" dirty="0"/>
+              <a:t>4300</a:t>
+            </a:r>
+            <a:r>
+              <a:rPr lang="zh-CN" altLang="zh-CN" dirty="0"/>
+              <a:t>个。事实上，我们之前采用过</a:t>
+            </a:r>
+            <a:r>
+              <a:rPr lang="en-US" altLang="zh-CN" dirty="0"/>
+              <a:t>10000</a:t>
+            </a:r>
+            <a:r>
+              <a:rPr lang="zh-CN" altLang="zh-CN" dirty="0"/>
+              <a:t>个单词甚至更大的一个</a:t>
+            </a:r>
+            <a:r>
+              <a:rPr lang="en-US" altLang="zh-CN" dirty="0"/>
+              <a:t>7000000</a:t>
+            </a:r>
+            <a:r>
+              <a:rPr lang="zh-CN" altLang="zh-CN" dirty="0"/>
+              <a:t>个单词的大型词库，但经过人工查询后发现很多单词都不是正常的英文单词（如地名，带</a:t>
+            </a:r>
+            <a:r>
+              <a:rPr lang="en-US" altLang="zh-CN" dirty="0"/>
+              <a:t>“-”</a:t>
+            </a:r>
+            <a:r>
+              <a:rPr lang="zh-CN" altLang="zh-CN" dirty="0"/>
+              <a:t>的单词，或者没有元音的单词），这样生成出来的</a:t>
+            </a:r>
+            <a:r>
+              <a:rPr lang="en-US" altLang="zh-CN" dirty="0"/>
+              <a:t>“</a:t>
+            </a:r>
+            <a:r>
+              <a:rPr lang="zh-CN" altLang="zh-CN" dirty="0"/>
+              <a:t>单词</a:t>
+            </a:r>
+            <a:r>
+              <a:rPr lang="en-US" altLang="zh-CN" dirty="0"/>
+              <a:t>”</a:t>
+            </a:r>
+            <a:r>
+              <a:rPr lang="zh-CN" altLang="zh-CN" dirty="0"/>
+              <a:t>反而更不像正常的英语单词。因此，我们选择了英语四级词汇作为我们机器学习的用具。另外，单词量过大也不容易快速求解</a:t>
+            </a:r>
+            <a:r>
+              <a:rPr lang="zh-CN" altLang="zh-CN" strike="sngStrike" dirty="0"/>
+              <a:t>以及保护电脑健康。</a:t>
+            </a:r>
+            <a:endParaRPr lang="zh-CN" altLang="zh-CN" dirty="0"/>
+          </a:p>
+        </p:txBody>
+      </p:sp>
+    </p:spTree>
+    <p:extLst>
+      <p:ext uri="{BB962C8B-B14F-4D97-AF65-F5344CB8AC3E}">
+        <p14:creationId xmlns:p14="http://schemas.microsoft.com/office/powerpoint/2010/main" val="2415072045"/>
+      </p:ext>
+    </p:extLst>
+  </p:cSld>
+  <p:clrMapOvr>
+    <a:masterClrMapping/>
+  </p:clrMapOvr>
+</p:sld>
+</file>
+
+<file path=ppt/slides/slide14.xml><?xml version="1.0" encoding="utf-8"?>
+<p:sld xmlns:a="http://schemas.openxmlformats.org/drawingml/2006/main" xmlns:r="http://schemas.openxmlformats.org/officeDocument/2006/relationships" xmlns:p="http://schemas.openxmlformats.org/presentationml/2006/main">
+  <p:cSld>
+    <p:spTree>
+      <p:nvGrpSpPr>
+        <p:cNvPr id="1" name=""/>
+        <p:cNvGrpSpPr/>
+        <p:nvPr/>
+      </p:nvGrpSpPr>
+      <p:grpSpPr>
+        <a:xfrm>
+          <a:off x="0" y="0"/>
+          <a:ext cx="0" cy="0"/>
+          <a:chOff x="0" y="0"/>
+          <a:chExt cx="0" cy="0"/>
+        </a:xfrm>
+      </p:grpSpPr>
+      <p:sp>
+        <p:nvSpPr>
+          <p:cNvPr id="2" name="标题 1">
+            <a:extLst>
+              <a:ext uri="{FF2B5EF4-FFF2-40B4-BE49-F238E27FC236}">
+                <a16:creationId xmlns:a16="http://schemas.microsoft.com/office/drawing/2014/main" id="{A5AA7EBD-BD79-4907-8652-E9D548011432}"/>
+              </a:ext>
+            </a:extLst>
+          </p:cNvPr>
+          <p:cNvSpPr>
+            <a:spLocks noGrp="1"/>
+          </p:cNvSpPr>
+          <p:nvPr>
+            <p:ph type="title"/>
+          </p:nvPr>
+        </p:nvSpPr>
+        <p:spPr/>
+        <p:txBody>
+          <a:bodyPr/>
+          <a:lstStyle/>
+          <a:p>
+            <a:r>
+              <a:rPr lang="en-US" altLang="zh-CN" dirty="0"/>
+              <a:t>5 – </a:t>
+            </a:r>
+            <a:r>
+              <a:rPr lang="zh-CN" altLang="en-US" dirty="0"/>
+              <a:t>实现过程</a:t>
+            </a:r>
+            <a:r>
+              <a:rPr lang="en-US" altLang="zh-CN" dirty="0"/>
+              <a:t> </a:t>
+            </a:r>
+            <a:r>
+              <a:rPr lang="zh-CN" altLang="en-US" dirty="0"/>
+              <a:t>（</a:t>
+            </a:r>
+            <a:r>
+              <a:rPr lang="zh-CN" altLang="zh-CN" dirty="0"/>
+              <a:t>分开单词</a:t>
+            </a:r>
+            <a:r>
+              <a:rPr lang="zh-CN" altLang="en-US" dirty="0"/>
+              <a:t>）</a:t>
+            </a:r>
+          </a:p>
+        </p:txBody>
+      </p:sp>
+      <mc:AlternateContent xmlns:mc="http://schemas.openxmlformats.org/markup-compatibility/2006">
+        <mc:Choice xmlns:a14="http://schemas.microsoft.com/office/drawing/2010/main" Requires="a14">
+          <p:sp>
+            <p:nvSpPr>
+              <p:cNvPr id="3" name="内容占位符 2">
+                <a:extLst>
+                  <a:ext uri="{FF2B5EF4-FFF2-40B4-BE49-F238E27FC236}">
+                    <a16:creationId xmlns:a16="http://schemas.microsoft.com/office/drawing/2014/main" id="{7F6CD907-33CF-4EFC-A4AE-94F027BE3E9C}"/>
+                  </a:ext>
+                </a:extLst>
+              </p:cNvPr>
+              <p:cNvSpPr>
+                <a:spLocks noGrp="1"/>
+              </p:cNvSpPr>
+              <p:nvPr>
+                <p:ph idx="1"/>
+              </p:nvPr>
+            </p:nvSpPr>
+            <p:spPr/>
+            <p:txBody>
+              <a:bodyPr/>
+              <a:lstStyle/>
+              <a:p>
+                <a:r>
+                  <a:rPr lang="zh-CN" altLang="zh-CN" dirty="0"/>
+                  <a:t>我在这里采用了直接拆解的方法，直接把所有的字母组合拆出来当作图的节点，并记录下一个节点。我们把这一部分以及</a:t>
+                </a:r>
+                <a:r>
+                  <a:rPr lang="en-US" altLang="zh-CN" dirty="0"/>
+                  <a:t>3</a:t>
+                </a:r>
+                <a:r>
+                  <a:rPr lang="zh-CN" altLang="zh-CN" dirty="0"/>
+                  <a:t>、</a:t>
+                </a:r>
+                <a:r>
+                  <a:rPr lang="en-US" altLang="zh-CN" dirty="0"/>
+                  <a:t>4</a:t>
+                </a:r>
+                <a:r>
+                  <a:rPr lang="zh-CN" altLang="zh-CN" dirty="0"/>
+                  <a:t>部分写成了三个头文件。</a:t>
+                </a:r>
+              </a:p>
+              <a:p>
+                <a:r>
+                  <a:rPr lang="zh-CN" altLang="zh-CN" dirty="0"/>
+                  <a:t>这里的时间复杂度为</a:t>
+                </a:r>
+                <a14:m>
+                  <m:oMath xmlns:m="http://schemas.openxmlformats.org/officeDocument/2006/math">
+                    <m:r>
+                      <a:rPr lang="en-US" altLang="zh-CN" i="1"/>
+                      <m:t>𝛩</m:t>
+                    </m:r>
+                    <m:r>
+                      <a:rPr lang="en-US" altLang="zh-CN" i="1"/>
+                      <m:t>(4300|</m:t>
+                    </m:r>
+                    <m:r>
+                      <a:rPr lang="en-US" altLang="zh-CN" i="1"/>
+                      <m:t>𝑠</m:t>
+                    </m:r>
+                    <m:r>
+                      <a:rPr lang="en-US" altLang="zh-CN" i="1"/>
+                      <m:t>|)</m:t>
+                    </m:r>
+                  </m:oMath>
+                </a14:m>
+                <a:r>
+                  <a:rPr lang="zh-CN" altLang="zh-CN" dirty="0"/>
+                  <a:t>，其中</a:t>
+                </a:r>
+                <a14:m>
+                  <m:oMath xmlns:m="http://schemas.openxmlformats.org/officeDocument/2006/math">
+                    <m:r>
+                      <a:rPr lang="en-US" altLang="zh-CN" i="1"/>
+                      <m:t>|</m:t>
+                    </m:r>
+                    <m:r>
+                      <a:rPr lang="en-US" altLang="zh-CN" i="1"/>
+                      <m:t>𝑠</m:t>
+                    </m:r>
+                    <m:r>
+                      <a:rPr lang="en-US" altLang="zh-CN" i="1"/>
+                      <m:t>|</m:t>
+                    </m:r>
+                  </m:oMath>
+                </a14:m>
+                <a:r>
+                  <a:rPr lang="zh-CN" altLang="zh-CN" dirty="0"/>
+                  <a:t>代表单词的长度，平均长度大约在</a:t>
+                </a:r>
+                <a:r>
+                  <a:rPr lang="en-US" altLang="zh-CN" dirty="0"/>
+                  <a:t>10~15</a:t>
+                </a:r>
+                <a:r>
+                  <a:rPr lang="zh-CN" altLang="zh-CN" dirty="0"/>
+                  <a:t>左右。</a:t>
+                </a:r>
+              </a:p>
+            </p:txBody>
+          </p:sp>
+        </mc:Choice>
+        <mc:Fallback>
+          <p:sp>
+            <p:nvSpPr>
+              <p:cNvPr id="3" name="内容占位符 2">
+                <a:extLst>
+                  <a:ext uri="{FF2B5EF4-FFF2-40B4-BE49-F238E27FC236}">
+                    <a16:creationId xmlns:a16="http://schemas.microsoft.com/office/drawing/2014/main" id="{7F6CD907-33CF-4EFC-A4AE-94F027BE3E9C}"/>
+                  </a:ext>
+                </a:extLst>
+              </p:cNvPr>
+              <p:cNvSpPr>
+                <a:spLocks noGrp="1" noRot="1" noChangeAspect="1" noMove="1" noResize="1" noEditPoints="1" noAdjustHandles="1" noChangeArrowheads="1" noChangeShapeType="1" noTextEdit="1"/>
+              </p:cNvSpPr>
+              <p:nvPr>
+                <p:ph idx="1"/>
+              </p:nvPr>
+            </p:nvSpPr>
+            <p:spPr>
+              <a:blipFill>
+                <a:blip r:embed="rId2"/>
+                <a:stretch>
+                  <a:fillRect l="-927" t="-690" r="-1096"/>
+                </a:stretch>
+              </a:blipFill>
+            </p:spPr>
+            <p:txBody>
+              <a:bodyPr/>
+              <a:lstStyle/>
+              <a:p>
+                <a:r>
+                  <a:rPr lang="zh-CN" altLang="en-US">
+                    <a:noFill/>
+                  </a:rPr>
+                  <a:t> </a:t>
+                </a:r>
+              </a:p>
+            </p:txBody>
+          </p:sp>
+        </mc:Fallback>
+      </mc:AlternateContent>
+    </p:spTree>
+    <p:extLst>
+      <p:ext uri="{BB962C8B-B14F-4D97-AF65-F5344CB8AC3E}">
+        <p14:creationId xmlns:p14="http://schemas.microsoft.com/office/powerpoint/2010/main" val="2760922752"/>
+      </p:ext>
+    </p:extLst>
+  </p:cSld>
+  <p:clrMapOvr>
+    <a:masterClrMapping/>
+  </p:clrMapOvr>
+</p:sld>
+</file>
+
+<file path=ppt/slides/slide15.xml><?xml version="1.0" encoding="utf-8"?>
+<p:sld xmlns:a="http://schemas.openxmlformats.org/drawingml/2006/main" xmlns:r="http://schemas.openxmlformats.org/officeDocument/2006/relationships" xmlns:p="http://schemas.openxmlformats.org/presentationml/2006/main">
+  <p:cSld>
+    <p:spTree>
+      <p:nvGrpSpPr>
+        <p:cNvPr id="1" name=""/>
+        <p:cNvGrpSpPr/>
+        <p:nvPr/>
+      </p:nvGrpSpPr>
+      <p:grpSpPr>
+        <a:xfrm>
+          <a:off x="0" y="0"/>
+          <a:ext cx="0" cy="0"/>
+          <a:chOff x="0" y="0"/>
+          <a:chExt cx="0" cy="0"/>
+        </a:xfrm>
+      </p:grpSpPr>
+      <p:sp>
+        <p:nvSpPr>
+          <p:cNvPr id="2" name="标题 1">
+            <a:extLst>
+              <a:ext uri="{FF2B5EF4-FFF2-40B4-BE49-F238E27FC236}">
+                <a16:creationId xmlns:a16="http://schemas.microsoft.com/office/drawing/2014/main" id="{A5AA7EBD-BD79-4907-8652-E9D548011432}"/>
+              </a:ext>
+            </a:extLst>
+          </p:cNvPr>
+          <p:cNvSpPr>
+            <a:spLocks noGrp="1"/>
+          </p:cNvSpPr>
+          <p:nvPr>
+            <p:ph type="title"/>
+          </p:nvPr>
+        </p:nvSpPr>
+        <p:spPr/>
+        <p:txBody>
+          <a:bodyPr/>
+          <a:lstStyle/>
+          <a:p>
+            <a:r>
+              <a:rPr lang="en-US" altLang="zh-CN" dirty="0"/>
+              <a:t>5 – </a:t>
+            </a:r>
+            <a:r>
+              <a:rPr lang="zh-CN" altLang="en-US" dirty="0"/>
+              <a:t>实现过程</a:t>
+            </a:r>
+            <a:r>
+              <a:rPr lang="en-US" altLang="zh-CN" dirty="0"/>
+              <a:t> </a:t>
+            </a:r>
+            <a:r>
+              <a:rPr lang="zh-CN" altLang="en-US" dirty="0"/>
+              <a:t>（</a:t>
+            </a:r>
+            <a:r>
+              <a:rPr lang="zh-CN" altLang="zh-CN" dirty="0"/>
+              <a:t>存储数据</a:t>
+            </a:r>
+            <a:r>
+              <a:rPr lang="zh-CN" altLang="en-US" dirty="0"/>
+              <a:t>）</a:t>
+            </a:r>
+          </a:p>
+        </p:txBody>
+      </p:sp>
+      <mc:AlternateContent xmlns:mc="http://schemas.openxmlformats.org/markup-compatibility/2006">
+        <mc:Choice xmlns:a14="http://schemas.microsoft.com/office/drawing/2010/main" Requires="a14">
+          <p:sp>
+            <p:nvSpPr>
+              <p:cNvPr id="3" name="内容占位符 2">
+                <a:extLst>
+                  <a:ext uri="{FF2B5EF4-FFF2-40B4-BE49-F238E27FC236}">
+                    <a16:creationId xmlns:a16="http://schemas.microsoft.com/office/drawing/2014/main" id="{7F6CD907-33CF-4EFC-A4AE-94F027BE3E9C}"/>
+                  </a:ext>
+                </a:extLst>
+              </p:cNvPr>
+              <p:cNvSpPr>
+                <a:spLocks noGrp="1"/>
+              </p:cNvSpPr>
+              <p:nvPr>
+                <p:ph idx="1"/>
+              </p:nvPr>
+            </p:nvSpPr>
+            <p:spPr/>
+            <p:txBody>
+              <a:bodyPr/>
+              <a:lstStyle/>
+              <a:p>
+                <a:r>
+                  <a:rPr lang="zh-CN" altLang="zh-CN" dirty="0"/>
+                  <a:t>为了存储和处理方便，以及节省空间，我们将每个元</a:t>
+                </a:r>
+                <a:r>
+                  <a:rPr lang="en-US" altLang="zh-CN" dirty="0"/>
+                  <a:t>/</a:t>
+                </a:r>
+                <a:r>
+                  <a:rPr lang="zh-CN" altLang="zh-CN" dirty="0"/>
+                  <a:t>辅音组利用谢梓涵通过</a:t>
+                </a:r>
+                <a:r>
+                  <a:rPr lang="en-US" altLang="zh-CN" dirty="0"/>
+                  <a:t>Splay</a:t>
+                </a:r>
+                <a:r>
+                  <a:rPr lang="zh-CN" altLang="zh-CN" dirty="0"/>
+                  <a:t>算法全都映射为一个整数。</a:t>
+                </a:r>
+                <a:r>
+                  <a:rPr lang="en-US" altLang="zh-CN" dirty="0"/>
+                  <a:t>Splay</a:t>
+                </a:r>
+                <a:r>
+                  <a:rPr lang="zh-CN" altLang="zh-CN" dirty="0"/>
+                  <a:t>是一种平衡树，可以维护</a:t>
+                </a:r>
+                <a:r>
+                  <a:rPr lang="en-US" altLang="zh-CN" dirty="0"/>
+                  <a:t>STL</a:t>
+                </a:r>
+                <a:r>
+                  <a:rPr lang="zh-CN" altLang="zh-CN" dirty="0"/>
+                  <a:t>中的</a:t>
+                </a:r>
+                <a:r>
+                  <a:rPr lang="en-US" altLang="zh-CN" dirty="0"/>
+                  <a:t>map</a:t>
+                </a:r>
+                <a:r>
+                  <a:rPr lang="zh-CN" altLang="zh-CN" dirty="0"/>
+                  <a:t>和</a:t>
+                </a:r>
+                <a:r>
+                  <a:rPr lang="en-US" altLang="zh-CN" dirty="0"/>
+                  <a:t>set</a:t>
+                </a:r>
+                <a:r>
+                  <a:rPr lang="zh-CN" altLang="zh-CN" dirty="0"/>
+                  <a:t>等容器的所有功能，且满足均摊复杂度为</a:t>
+                </a:r>
+                <a14:m>
+                  <m:oMath xmlns:m="http://schemas.openxmlformats.org/officeDocument/2006/math">
+                    <m:r>
+                      <a:rPr lang="en-US" altLang="zh-CN" i="1"/>
+                      <m:t>𝛩</m:t>
+                    </m:r>
+                    <m:r>
+                      <a:rPr lang="en-US" altLang="zh-CN" i="1"/>
+                      <m:t>(</m:t>
+                    </m:r>
+                    <m:r>
+                      <m:rPr>
+                        <m:sty m:val="p"/>
+                      </m:rPr>
+                      <a:rPr lang="en-US" altLang="zh-CN"/>
+                      <m:t>log</m:t>
+                    </m:r>
+                    <m:r>
+                      <a:rPr lang="en-US" altLang="zh-CN" i="1"/>
+                      <m:t> </m:t>
+                    </m:r>
+                    <m:r>
+                      <a:rPr lang="en-US" altLang="zh-CN" i="1"/>
+                      <m:t>𝑁</m:t>
+                    </m:r>
+                    <m:r>
+                      <a:rPr lang="en-US" altLang="zh-CN" i="1"/>
+                      <m:t>)</m:t>
+                    </m:r>
+                  </m:oMath>
+                </a14:m>
+                <a:r>
+                  <a:rPr lang="zh-CN" altLang="zh-CN" dirty="0"/>
+                  <a:t>。</a:t>
+                </a:r>
+              </a:p>
+              <a:p>
+                <a:r>
+                  <a:rPr lang="zh-CN" altLang="zh-CN" dirty="0"/>
+                  <a:t>我们存储数据采用的是邻接表，即将每个节点的所有子节点全部顺序存下在一个数组里。</a:t>
+                </a:r>
+              </a:p>
+            </p:txBody>
+          </p:sp>
+        </mc:Choice>
+        <mc:Fallback>
+          <p:sp>
+            <p:nvSpPr>
+              <p:cNvPr id="3" name="内容占位符 2">
+                <a:extLst>
+                  <a:ext uri="{FF2B5EF4-FFF2-40B4-BE49-F238E27FC236}">
+                    <a16:creationId xmlns:a16="http://schemas.microsoft.com/office/drawing/2014/main" id="{7F6CD907-33CF-4EFC-A4AE-94F027BE3E9C}"/>
+                  </a:ext>
+                </a:extLst>
+              </p:cNvPr>
+              <p:cNvSpPr>
+                <a:spLocks noGrp="1" noRot="1" noChangeAspect="1" noMove="1" noResize="1" noEditPoints="1" noAdjustHandles="1" noChangeArrowheads="1" noChangeShapeType="1" noTextEdit="1"/>
+              </p:cNvSpPr>
+              <p:nvPr>
+                <p:ph idx="1"/>
+              </p:nvPr>
+            </p:nvSpPr>
+            <p:spPr>
+              <a:blipFill>
+                <a:blip r:embed="rId2"/>
+                <a:stretch>
+                  <a:fillRect l="-927" t="-690" r="-4890"/>
+                </a:stretch>
+              </a:blipFill>
+            </p:spPr>
+            <p:txBody>
+              <a:bodyPr/>
+              <a:lstStyle/>
+              <a:p>
+                <a:r>
+                  <a:rPr lang="zh-CN" altLang="en-US">
+                    <a:noFill/>
+                  </a:rPr>
+                  <a:t> </a:t>
+                </a:r>
+              </a:p>
+            </p:txBody>
+          </p:sp>
+        </mc:Fallback>
+      </mc:AlternateContent>
+    </p:spTree>
+    <p:extLst>
+      <p:ext uri="{BB962C8B-B14F-4D97-AF65-F5344CB8AC3E}">
+        <p14:creationId xmlns:p14="http://schemas.microsoft.com/office/powerpoint/2010/main" val="3165374271"/>
+      </p:ext>
+    </p:extLst>
+  </p:cSld>
+  <p:clrMapOvr>
+    <a:masterClrMapping/>
+  </p:clrMapOvr>
+</p:sld>
+</file>
+
+<file path=ppt/slides/slide16.xml><?xml version="1.0" encoding="utf-8"?>
+<p:sld xmlns:a="http://schemas.openxmlformats.org/drawingml/2006/main" xmlns:r="http://schemas.openxmlformats.org/officeDocument/2006/relationships" xmlns:p="http://schemas.openxmlformats.org/presentationml/2006/main">
+  <p:cSld>
+    <p:spTree>
+      <p:nvGrpSpPr>
+        <p:cNvPr id="1" name=""/>
+        <p:cNvGrpSpPr/>
+        <p:nvPr/>
+      </p:nvGrpSpPr>
+      <p:grpSpPr>
+        <a:xfrm>
+          <a:off x="0" y="0"/>
+          <a:ext cx="0" cy="0"/>
+          <a:chOff x="0" y="0"/>
+          <a:chExt cx="0" cy="0"/>
+        </a:xfrm>
+      </p:grpSpPr>
+      <p:sp>
+        <p:nvSpPr>
+          <p:cNvPr id="2" name="标题 1">
+            <a:extLst>
+              <a:ext uri="{FF2B5EF4-FFF2-40B4-BE49-F238E27FC236}">
+                <a16:creationId xmlns:a16="http://schemas.microsoft.com/office/drawing/2014/main" id="{A5AA7EBD-BD79-4907-8652-E9D548011432}"/>
+              </a:ext>
+            </a:extLst>
+          </p:cNvPr>
+          <p:cNvSpPr>
+            <a:spLocks noGrp="1"/>
+          </p:cNvSpPr>
+          <p:nvPr>
+            <p:ph type="title"/>
+          </p:nvPr>
+        </p:nvSpPr>
+        <p:spPr/>
+        <p:txBody>
+          <a:bodyPr>
+            <a:normAutofit/>
+          </a:bodyPr>
+          <a:lstStyle/>
+          <a:p>
+            <a:r>
+              <a:rPr lang="en-US" altLang="zh-CN" dirty="0"/>
+              <a:t>5 – </a:t>
+            </a:r>
+            <a:r>
+              <a:rPr lang="zh-CN" altLang="en-US" dirty="0"/>
+              <a:t>实现过程</a:t>
+            </a:r>
+            <a:r>
+              <a:rPr lang="en-US" altLang="zh-CN" dirty="0"/>
+              <a:t> </a:t>
+            </a:r>
+            <a:r>
+              <a:rPr lang="zh-CN" altLang="en-US" dirty="0"/>
+              <a:t>（</a:t>
+            </a:r>
+            <a:r>
+              <a:rPr lang="zh-CN" altLang="zh-CN" dirty="0"/>
+              <a:t>随机一个组合</a:t>
+            </a:r>
+            <a:r>
+              <a:rPr lang="zh-CN" altLang="en-US" dirty="0"/>
+              <a:t>）</a:t>
+            </a:r>
+          </a:p>
+        </p:txBody>
+      </p:sp>
+      <p:sp>
+        <p:nvSpPr>
+          <p:cNvPr id="3" name="内容占位符 2">
+            <a:extLst>
+              <a:ext uri="{FF2B5EF4-FFF2-40B4-BE49-F238E27FC236}">
+                <a16:creationId xmlns:a16="http://schemas.microsoft.com/office/drawing/2014/main" id="{7F6CD907-33CF-4EFC-A4AE-94F027BE3E9C}"/>
+              </a:ext>
+            </a:extLst>
+          </p:cNvPr>
+          <p:cNvSpPr>
+            <a:spLocks noGrp="1"/>
+          </p:cNvSpPr>
+          <p:nvPr>
+            <p:ph idx="1"/>
+          </p:nvPr>
+        </p:nvSpPr>
+        <p:spPr/>
+        <p:txBody>
+          <a:bodyPr/>
+          <a:lstStyle/>
+          <a:p>
+            <a:r>
+              <a:rPr lang="zh-CN" altLang="zh-CN" dirty="0"/>
+              <a:t>在生成单词中遇到一个问题便是由于最终可以生成的单词过多，甚至由于图中的自环（</a:t>
+            </a:r>
+            <a:r>
+              <a:rPr lang="en-US" altLang="zh-CN" dirty="0"/>
+              <a:t>o</a:t>
+            </a:r>
+            <a:r>
+              <a:rPr lang="zh-CN" altLang="zh-CN" dirty="0"/>
+              <a:t>后面可以接</a:t>
+            </a:r>
+            <a:r>
+              <a:rPr lang="en-US" altLang="zh-CN" dirty="0"/>
+              <a:t>n</a:t>
+            </a:r>
+            <a:r>
+              <a:rPr lang="zh-CN" altLang="zh-CN" dirty="0"/>
+              <a:t>，</a:t>
+            </a:r>
+            <a:r>
+              <a:rPr lang="en-US" altLang="zh-CN" dirty="0"/>
+              <a:t>n</a:t>
+            </a:r>
+            <a:r>
+              <a:rPr lang="zh-CN" altLang="zh-CN" dirty="0"/>
+              <a:t>后面可以接</a:t>
+            </a:r>
+            <a:r>
+              <a:rPr lang="en-US" altLang="zh-CN" dirty="0"/>
+              <a:t>o</a:t>
+            </a:r>
+            <a:r>
+              <a:rPr lang="zh-CN" altLang="zh-CN" dirty="0"/>
+              <a:t>），会导致我们在生成的过程中出现死循环，所以我们需要一个强有力的方法来在搜索过程中进行筛选，放弃某些情况，避免我们程序发生死循环。</a:t>
+            </a:r>
+          </a:p>
+          <a:p>
+            <a:r>
+              <a:rPr lang="zh-CN" altLang="zh-CN" dirty="0"/>
+              <a:t>由于可以生成的单词数量随着深度的增加，呈指数级增长，所以最有效的一个筛选方法就是控制搜索的深度，即单词由几个声</a:t>
+            </a:r>
+            <a:r>
+              <a:rPr lang="en-US" altLang="zh-CN" dirty="0"/>
+              <a:t>/</a:t>
+            </a:r>
+            <a:r>
+              <a:rPr lang="zh-CN" altLang="zh-CN" dirty="0"/>
+              <a:t>韵母组构成。</a:t>
+            </a:r>
+          </a:p>
+        </p:txBody>
+      </p:sp>
+    </p:spTree>
+    <p:extLst>
+      <p:ext uri="{BB962C8B-B14F-4D97-AF65-F5344CB8AC3E}">
+        <p14:creationId xmlns:p14="http://schemas.microsoft.com/office/powerpoint/2010/main" val="3478643219"/>
+      </p:ext>
+    </p:extLst>
+  </p:cSld>
+  <p:clrMapOvr>
+    <a:masterClrMapping/>
+  </p:clrMapOvr>
+</p:sld>
+</file>
+
+<file path=ppt/slides/slide17.xml><?xml version="1.0" encoding="utf-8"?>
+<p:sld xmlns:a="http://schemas.openxmlformats.org/drawingml/2006/main" xmlns:r="http://schemas.openxmlformats.org/officeDocument/2006/relationships" xmlns:p="http://schemas.openxmlformats.org/presentationml/2006/main">
+  <p:cSld>
+    <p:spTree>
+      <p:nvGrpSpPr>
+        <p:cNvPr id="1" name=""/>
+        <p:cNvGrpSpPr/>
+        <p:nvPr/>
+      </p:nvGrpSpPr>
+      <p:grpSpPr>
+        <a:xfrm>
+          <a:off x="0" y="0"/>
+          <a:ext cx="0" cy="0"/>
+          <a:chOff x="0" y="0"/>
+          <a:chExt cx="0" cy="0"/>
+        </a:xfrm>
+      </p:grpSpPr>
+      <p:sp>
+        <p:nvSpPr>
+          <p:cNvPr id="2" name="标题 1">
+            <a:extLst>
+              <a:ext uri="{FF2B5EF4-FFF2-40B4-BE49-F238E27FC236}">
+                <a16:creationId xmlns:a16="http://schemas.microsoft.com/office/drawing/2014/main" id="{A5AA7EBD-BD79-4907-8652-E9D548011432}"/>
+              </a:ext>
+            </a:extLst>
+          </p:cNvPr>
+          <p:cNvSpPr>
+            <a:spLocks noGrp="1"/>
+          </p:cNvSpPr>
+          <p:nvPr>
+            <p:ph type="title"/>
+          </p:nvPr>
+        </p:nvSpPr>
+        <p:spPr/>
+        <p:txBody>
+          <a:bodyPr>
+            <a:normAutofit/>
+          </a:bodyPr>
+          <a:lstStyle/>
+          <a:p>
+            <a:r>
+              <a:rPr lang="en-US" altLang="zh-CN" dirty="0"/>
+              <a:t>5 – </a:t>
+            </a:r>
+            <a:r>
+              <a:rPr lang="zh-CN" altLang="en-US" dirty="0"/>
+              <a:t>实现过程</a:t>
+            </a:r>
+            <a:r>
+              <a:rPr lang="en-US" altLang="zh-CN" dirty="0"/>
+              <a:t> </a:t>
+            </a:r>
+            <a:r>
+              <a:rPr lang="zh-CN" altLang="en-US" dirty="0"/>
+              <a:t>（</a:t>
+            </a:r>
+            <a:r>
+              <a:rPr lang="zh-CN" altLang="zh-CN" dirty="0"/>
+              <a:t>随机一个组合</a:t>
+            </a:r>
+            <a:r>
+              <a:rPr lang="zh-CN" altLang="en-US" dirty="0"/>
+              <a:t>）</a:t>
+            </a:r>
+          </a:p>
+        </p:txBody>
+      </p:sp>
+      <p:sp>
+        <p:nvSpPr>
+          <p:cNvPr id="3" name="内容占位符 2">
+            <a:extLst>
+              <a:ext uri="{FF2B5EF4-FFF2-40B4-BE49-F238E27FC236}">
+                <a16:creationId xmlns:a16="http://schemas.microsoft.com/office/drawing/2014/main" id="{7F6CD907-33CF-4EFC-A4AE-94F027BE3E9C}"/>
+              </a:ext>
+            </a:extLst>
+          </p:cNvPr>
+          <p:cNvSpPr>
+            <a:spLocks noGrp="1"/>
+          </p:cNvSpPr>
+          <p:nvPr>
+            <p:ph idx="1"/>
+          </p:nvPr>
+        </p:nvSpPr>
+        <p:spPr/>
+        <p:txBody>
+          <a:bodyPr>
+            <a:normAutofit/>
+          </a:bodyPr>
+          <a:lstStyle/>
+          <a:p>
+            <a:r>
+              <a:rPr lang="zh-CN" altLang="en-US" dirty="0"/>
+              <a:t>对于一个数组，如下</a:t>
+            </a:r>
+          </a:p>
+          <a:p>
+            <a:endParaRPr lang="en-US" altLang="zh-CN" dirty="0"/>
+          </a:p>
+          <a:p>
+            <a:endParaRPr lang="en-US" altLang="zh-CN" dirty="0"/>
+          </a:p>
+          <a:p>
+            <a:endParaRPr lang="en-US" altLang="zh-CN" dirty="0"/>
+          </a:p>
+          <a:p>
+            <a:r>
+              <a:rPr lang="zh-CN" altLang="en-US" dirty="0"/>
+              <a:t>我们的解决办法是对其</a:t>
+            </a:r>
+            <a:r>
+              <a:rPr lang="en-US" altLang="zh-CN" dirty="0"/>
+              <a:t>prop</a:t>
+            </a:r>
+            <a:r>
+              <a:rPr lang="zh-CN" altLang="en-US" dirty="0"/>
+              <a:t>属性求前缀和，如下</a:t>
+            </a:r>
+          </a:p>
+          <a:p>
+            <a:endParaRPr lang="en-US" altLang="zh-CN" dirty="0"/>
+          </a:p>
+          <a:p>
+            <a:endParaRPr lang="en-US" altLang="zh-CN" dirty="0"/>
+          </a:p>
+          <a:p>
+            <a:r>
+              <a:rPr lang="zh-CN" altLang="en-US" dirty="0"/>
+              <a:t>然后先生成一个随机数，这里假设是</a:t>
+            </a:r>
+            <a:r>
+              <a:rPr lang="en-US" altLang="zh-CN" dirty="0"/>
+              <a:t>157</a:t>
+            </a:r>
+            <a:r>
+              <a:rPr lang="zh-CN" altLang="en-US" dirty="0"/>
+              <a:t>，将其对</a:t>
+            </a:r>
+            <a:r>
+              <a:rPr lang="en-US" altLang="zh-CN" dirty="0"/>
+              <a:t>sum[3]</a:t>
+            </a:r>
+            <a:r>
+              <a:rPr lang="zh-CN" altLang="en-US" dirty="0"/>
+              <a:t>，即所有项的和取余，得到</a:t>
+            </a:r>
+            <a:r>
+              <a:rPr lang="en-US" altLang="zh-CN" dirty="0"/>
+              <a:t>7</a:t>
+            </a:r>
+            <a:r>
+              <a:rPr lang="zh-CN" altLang="en-US" dirty="0"/>
+              <a:t>。</a:t>
+            </a:r>
+            <a:endParaRPr lang="en-US" altLang="zh-CN" dirty="0"/>
+          </a:p>
+          <a:p>
+            <a:r>
+              <a:rPr lang="zh-CN" altLang="zh-CN" dirty="0"/>
+              <a:t>发现</a:t>
+            </a:r>
+            <a:r>
+              <a:rPr lang="en-US" altLang="zh-CN" dirty="0"/>
+              <a:t>sum[3]&gt;7&gt;=sum[2]</a:t>
+            </a:r>
+            <a:r>
+              <a:rPr lang="zh-CN" altLang="zh-CN" dirty="0"/>
+              <a:t>，所以这次随机得到的结果便是下标为</a:t>
+            </a:r>
+            <a:r>
+              <a:rPr lang="en-US" altLang="zh-CN" dirty="0"/>
+              <a:t>3</a:t>
+            </a:r>
+            <a:r>
+              <a:rPr lang="zh-CN" altLang="zh-CN" dirty="0"/>
+              <a:t>，值为</a:t>
+            </a:r>
+            <a:r>
+              <a:rPr lang="en-US" altLang="zh-CN" dirty="0"/>
+              <a:t>value[3]</a:t>
+            </a:r>
+            <a:r>
+              <a:rPr lang="zh-CN" altLang="zh-CN" dirty="0"/>
+              <a:t>，即</a:t>
+            </a:r>
+            <a:r>
+              <a:rPr lang="en-US" altLang="zh-CN" dirty="0"/>
+              <a:t>12</a:t>
+            </a:r>
+            <a:r>
+              <a:rPr lang="zh-CN" altLang="zh-CN" dirty="0"/>
+              <a:t>这个数。</a:t>
+            </a:r>
+          </a:p>
+        </p:txBody>
+      </p:sp>
+      <p:graphicFrame>
+        <p:nvGraphicFramePr>
+          <p:cNvPr id="13" name="表格 12">
+            <a:extLst>
+              <a:ext uri="{FF2B5EF4-FFF2-40B4-BE49-F238E27FC236}">
+                <a16:creationId xmlns:a16="http://schemas.microsoft.com/office/drawing/2014/main" id="{057EEA78-B862-4F5E-A482-D6EE8BD0CA9C}"/>
+              </a:ext>
+            </a:extLst>
+          </p:cNvPr>
+          <p:cNvGraphicFramePr>
+            <a:graphicFrameLocks noGrp="1"/>
+          </p:cNvGraphicFramePr>
+          <p:nvPr>
+            <p:extLst>
+              <p:ext uri="{D42A27DB-BD31-4B8C-83A1-F6EECF244321}">
+                <p14:modId xmlns:p14="http://schemas.microsoft.com/office/powerpoint/2010/main" val="1263443291"/>
+              </p:ext>
+            </p:extLst>
+          </p:nvPr>
+        </p:nvGraphicFramePr>
+        <p:xfrm>
+          <a:off x="2020124" y="1700808"/>
+          <a:ext cx="3137932" cy="1364505"/>
+        </p:xfrm>
+        <a:graphic>
+          <a:graphicData uri="http://schemas.openxmlformats.org/drawingml/2006/table">
+            <a:tbl>
+              <a:tblPr firstRow="1" firstCol="1" lastRow="1" lastCol="1">
+                <a:tableStyleId>{5940675A-B579-460E-94D1-54222C63F5DA}</a:tableStyleId>
+              </a:tblPr>
+              <a:tblGrid>
+                <a:gridCol w="784483">
+                  <a:extLst>
+                    <a:ext uri="{9D8B030D-6E8A-4147-A177-3AD203B41FA5}">
+                      <a16:colId xmlns:a16="http://schemas.microsoft.com/office/drawing/2014/main" val="326763479"/>
+                    </a:ext>
+                  </a:extLst>
+                </a:gridCol>
+                <a:gridCol w="784483">
+                  <a:extLst>
+                    <a:ext uri="{9D8B030D-6E8A-4147-A177-3AD203B41FA5}">
+                      <a16:colId xmlns:a16="http://schemas.microsoft.com/office/drawing/2014/main" val="1268504891"/>
+                    </a:ext>
+                  </a:extLst>
+                </a:gridCol>
+                <a:gridCol w="784483">
+                  <a:extLst>
+                    <a:ext uri="{9D8B030D-6E8A-4147-A177-3AD203B41FA5}">
+                      <a16:colId xmlns:a16="http://schemas.microsoft.com/office/drawing/2014/main" val="3292139461"/>
+                    </a:ext>
+                  </a:extLst>
+                </a:gridCol>
+                <a:gridCol w="784483">
+                  <a:extLst>
+                    <a:ext uri="{9D8B030D-6E8A-4147-A177-3AD203B41FA5}">
+                      <a16:colId xmlns:a16="http://schemas.microsoft.com/office/drawing/2014/main" val="3208274385"/>
+                    </a:ext>
+                  </a:extLst>
+                </a:gridCol>
+              </a:tblGrid>
+              <a:tr h="454835">
+                <a:tc>
+                  <a:txBody>
+                    <a:bodyPr/>
+                    <a:lstStyle/>
+                    <a:p>
+                      <a:pPr>
+                        <a:lnSpc>
+                          <a:spcPct val="115000"/>
+                        </a:lnSpc>
+                        <a:spcBef>
+                          <a:spcPts val="180"/>
+                        </a:spcBef>
+                        <a:spcAft>
+                          <a:spcPts val="180"/>
+                        </a:spcAft>
+                      </a:pPr>
+                      <a:r>
+                        <a:rPr lang="en-US" sz="1200">
+                          <a:effectLst/>
+                        </a:rPr>
+                        <a:t>index→</a:t>
+                      </a:r>
+                      <a:endParaRPr lang="zh-CN" sz="1200">
+                        <a:effectLst/>
+                        <a:latin typeface="Cambria" panose="02040503050406030204" pitchFamily="18" charset="0"/>
+                        <a:ea typeface="宋体" panose="02010600030101010101" pitchFamily="2" charset="-122"/>
+                        <a:cs typeface="Times New Roman" panose="02020603050405020304" pitchFamily="18" charset="0"/>
+                      </a:endParaRPr>
+                    </a:p>
+                  </a:txBody>
+                  <a:tcPr marL="68580" marR="68580" marT="0" marB="0"/>
+                </a:tc>
+                <a:tc>
+                  <a:txBody>
+                    <a:bodyPr/>
+                    <a:lstStyle/>
+                    <a:p>
+                      <a:pPr>
+                        <a:lnSpc>
+                          <a:spcPct val="115000"/>
+                        </a:lnSpc>
+                        <a:spcBef>
+                          <a:spcPts val="180"/>
+                        </a:spcBef>
+                        <a:spcAft>
+                          <a:spcPts val="180"/>
+                        </a:spcAft>
+                      </a:pPr>
+                      <a:r>
+                        <a:rPr lang="en-US" sz="1200">
+                          <a:effectLst/>
+                        </a:rPr>
+                        <a:t>1</a:t>
+                      </a:r>
+                      <a:endParaRPr lang="zh-CN" sz="1200">
+                        <a:effectLst/>
+                        <a:latin typeface="Cambria" panose="02040503050406030204" pitchFamily="18" charset="0"/>
+                        <a:ea typeface="宋体" panose="02010600030101010101" pitchFamily="2" charset="-122"/>
+                        <a:cs typeface="Times New Roman" panose="02020603050405020304" pitchFamily="18" charset="0"/>
+                      </a:endParaRPr>
+                    </a:p>
+                  </a:txBody>
+                  <a:tcPr marL="68580" marR="68580" marT="0" marB="0"/>
+                </a:tc>
+                <a:tc>
+                  <a:txBody>
+                    <a:bodyPr/>
+                    <a:lstStyle/>
+                    <a:p>
+                      <a:pPr>
+                        <a:lnSpc>
+                          <a:spcPct val="115000"/>
+                        </a:lnSpc>
+                        <a:spcBef>
+                          <a:spcPts val="180"/>
+                        </a:spcBef>
+                        <a:spcAft>
+                          <a:spcPts val="180"/>
+                        </a:spcAft>
+                      </a:pPr>
+                      <a:r>
+                        <a:rPr lang="en-US" sz="1200">
+                          <a:effectLst/>
+                        </a:rPr>
+                        <a:t>2</a:t>
+                      </a:r>
+                      <a:endParaRPr lang="zh-CN" sz="1200">
+                        <a:effectLst/>
+                        <a:latin typeface="Cambria" panose="02040503050406030204" pitchFamily="18" charset="0"/>
+                        <a:ea typeface="宋体" panose="02010600030101010101" pitchFamily="2" charset="-122"/>
+                        <a:cs typeface="Times New Roman" panose="02020603050405020304" pitchFamily="18" charset="0"/>
+                      </a:endParaRPr>
+                    </a:p>
+                  </a:txBody>
+                  <a:tcPr marL="68580" marR="68580" marT="0" marB="0"/>
+                </a:tc>
+                <a:tc>
+                  <a:txBody>
+                    <a:bodyPr/>
+                    <a:lstStyle/>
+                    <a:p>
+                      <a:pPr>
+                        <a:lnSpc>
+                          <a:spcPct val="115000"/>
+                        </a:lnSpc>
+                        <a:spcBef>
+                          <a:spcPts val="180"/>
+                        </a:spcBef>
+                        <a:spcAft>
+                          <a:spcPts val="180"/>
+                        </a:spcAft>
+                      </a:pPr>
+                      <a:r>
+                        <a:rPr lang="en-US" sz="1200">
+                          <a:effectLst/>
+                        </a:rPr>
+                        <a:t>3</a:t>
+                      </a:r>
+                      <a:endParaRPr lang="zh-CN" sz="1200">
+                        <a:effectLst/>
+                        <a:latin typeface="Cambria" panose="02040503050406030204" pitchFamily="18" charset="0"/>
+                        <a:ea typeface="宋体" panose="02010600030101010101" pitchFamily="2" charset="-122"/>
+                        <a:cs typeface="Times New Roman" panose="02020603050405020304" pitchFamily="18" charset="0"/>
+                      </a:endParaRPr>
+                    </a:p>
+                  </a:txBody>
+                  <a:tcPr marL="68580" marR="68580" marT="0" marB="0"/>
+                </a:tc>
+                <a:extLst>
+                  <a:ext uri="{0D108BD9-81ED-4DB2-BD59-A6C34878D82A}">
+                    <a16:rowId xmlns:a16="http://schemas.microsoft.com/office/drawing/2014/main" val="2825760376"/>
+                  </a:ext>
+                </a:extLst>
+              </a:tr>
+              <a:tr h="454835">
+                <a:tc>
+                  <a:txBody>
+                    <a:bodyPr/>
+                    <a:lstStyle/>
+                    <a:p>
+                      <a:pPr>
+                        <a:lnSpc>
+                          <a:spcPct val="115000"/>
+                        </a:lnSpc>
+                        <a:spcBef>
+                          <a:spcPts val="180"/>
+                        </a:spcBef>
+                        <a:spcAft>
+                          <a:spcPts val="180"/>
+                        </a:spcAft>
+                      </a:pPr>
+                      <a:r>
+                        <a:rPr lang="en-US" sz="1200">
+                          <a:effectLst/>
+                        </a:rPr>
+                        <a:t>value</a:t>
+                      </a:r>
+                      <a:endParaRPr lang="zh-CN" sz="1200">
+                        <a:effectLst/>
+                        <a:latin typeface="Cambria" panose="02040503050406030204" pitchFamily="18" charset="0"/>
+                        <a:ea typeface="宋体" panose="02010600030101010101" pitchFamily="2" charset="-122"/>
+                        <a:cs typeface="Times New Roman" panose="02020603050405020304" pitchFamily="18" charset="0"/>
+                      </a:endParaRPr>
+                    </a:p>
+                  </a:txBody>
+                  <a:tcPr marL="68580" marR="68580" marT="0" marB="0"/>
+                </a:tc>
+                <a:tc>
+                  <a:txBody>
+                    <a:bodyPr/>
+                    <a:lstStyle/>
+                    <a:p>
+                      <a:pPr>
+                        <a:lnSpc>
+                          <a:spcPct val="115000"/>
+                        </a:lnSpc>
+                        <a:spcBef>
+                          <a:spcPts val="180"/>
+                        </a:spcBef>
+                        <a:spcAft>
+                          <a:spcPts val="180"/>
+                        </a:spcAft>
+                      </a:pPr>
+                      <a:r>
+                        <a:rPr lang="en-US" sz="1200">
+                          <a:effectLst/>
+                        </a:rPr>
+                        <a:t>10</a:t>
+                      </a:r>
+                      <a:endParaRPr lang="zh-CN" sz="1200">
+                        <a:effectLst/>
+                        <a:latin typeface="Cambria" panose="02040503050406030204" pitchFamily="18" charset="0"/>
+                        <a:ea typeface="宋体" panose="02010600030101010101" pitchFamily="2" charset="-122"/>
+                        <a:cs typeface="Times New Roman" panose="02020603050405020304" pitchFamily="18" charset="0"/>
+                      </a:endParaRPr>
+                    </a:p>
+                  </a:txBody>
+                  <a:tcPr marL="68580" marR="68580" marT="0" marB="0"/>
+                </a:tc>
+                <a:tc>
+                  <a:txBody>
+                    <a:bodyPr/>
+                    <a:lstStyle/>
+                    <a:p>
+                      <a:pPr>
+                        <a:lnSpc>
+                          <a:spcPct val="115000"/>
+                        </a:lnSpc>
+                        <a:spcBef>
+                          <a:spcPts val="180"/>
+                        </a:spcBef>
+                        <a:spcAft>
+                          <a:spcPts val="180"/>
+                        </a:spcAft>
+                      </a:pPr>
+                      <a:r>
+                        <a:rPr lang="en-US" sz="1200" dirty="0">
+                          <a:effectLst/>
+                        </a:rPr>
+                        <a:t>31</a:t>
+                      </a:r>
+                      <a:endParaRPr lang="zh-CN" sz="1200" dirty="0">
+                        <a:effectLst/>
+                        <a:latin typeface="Cambria" panose="02040503050406030204" pitchFamily="18" charset="0"/>
+                        <a:ea typeface="宋体" panose="02010600030101010101" pitchFamily="2" charset="-122"/>
+                        <a:cs typeface="Times New Roman" panose="02020603050405020304" pitchFamily="18" charset="0"/>
+                      </a:endParaRPr>
+                    </a:p>
+                  </a:txBody>
+                  <a:tcPr marL="68580" marR="68580" marT="0" marB="0"/>
+                </a:tc>
+                <a:tc>
+                  <a:txBody>
+                    <a:bodyPr/>
+                    <a:lstStyle/>
+                    <a:p>
+                      <a:pPr>
+                        <a:lnSpc>
+                          <a:spcPct val="115000"/>
+                        </a:lnSpc>
+                        <a:spcBef>
+                          <a:spcPts val="180"/>
+                        </a:spcBef>
+                        <a:spcAft>
+                          <a:spcPts val="180"/>
+                        </a:spcAft>
+                      </a:pPr>
+                      <a:r>
+                        <a:rPr lang="en-US" sz="1200">
+                          <a:effectLst/>
+                        </a:rPr>
+                        <a:t>12</a:t>
+                      </a:r>
+                      <a:endParaRPr lang="zh-CN" sz="1200">
+                        <a:effectLst/>
+                        <a:latin typeface="Cambria" panose="02040503050406030204" pitchFamily="18" charset="0"/>
+                        <a:ea typeface="宋体" panose="02010600030101010101" pitchFamily="2" charset="-122"/>
+                        <a:cs typeface="Times New Roman" panose="02020603050405020304" pitchFamily="18" charset="0"/>
+                      </a:endParaRPr>
+                    </a:p>
+                  </a:txBody>
+                  <a:tcPr marL="68580" marR="68580" marT="0" marB="0"/>
+                </a:tc>
+                <a:extLst>
+                  <a:ext uri="{0D108BD9-81ED-4DB2-BD59-A6C34878D82A}">
+                    <a16:rowId xmlns:a16="http://schemas.microsoft.com/office/drawing/2014/main" val="2836659904"/>
+                  </a:ext>
+                </a:extLst>
+              </a:tr>
+              <a:tr h="454835">
+                <a:tc>
+                  <a:txBody>
+                    <a:bodyPr/>
+                    <a:lstStyle/>
+                    <a:p>
+                      <a:pPr>
+                        <a:lnSpc>
+                          <a:spcPct val="115000"/>
+                        </a:lnSpc>
+                        <a:spcBef>
+                          <a:spcPts val="180"/>
+                        </a:spcBef>
+                        <a:spcAft>
+                          <a:spcPts val="180"/>
+                        </a:spcAft>
+                      </a:pPr>
+                      <a:r>
+                        <a:rPr lang="en-US" sz="1200">
+                          <a:effectLst/>
+                        </a:rPr>
+                        <a:t>prop</a:t>
+                      </a:r>
+                      <a:endParaRPr lang="zh-CN" sz="1200">
+                        <a:effectLst/>
+                        <a:latin typeface="Cambria" panose="02040503050406030204" pitchFamily="18" charset="0"/>
+                        <a:ea typeface="宋体" panose="02010600030101010101" pitchFamily="2" charset="-122"/>
+                        <a:cs typeface="Times New Roman" panose="02020603050405020304" pitchFamily="18" charset="0"/>
+                      </a:endParaRPr>
+                    </a:p>
+                  </a:txBody>
+                  <a:tcPr marL="68580" marR="68580" marT="0" marB="0"/>
+                </a:tc>
+                <a:tc>
+                  <a:txBody>
+                    <a:bodyPr/>
+                    <a:lstStyle/>
+                    <a:p>
+                      <a:pPr>
+                        <a:lnSpc>
+                          <a:spcPct val="115000"/>
+                        </a:lnSpc>
+                        <a:spcBef>
+                          <a:spcPts val="180"/>
+                        </a:spcBef>
+                        <a:spcAft>
+                          <a:spcPts val="180"/>
+                        </a:spcAft>
+                      </a:pPr>
+                      <a:r>
+                        <a:rPr lang="en-US" sz="1200">
+                          <a:effectLst/>
+                        </a:rPr>
+                        <a:t>5</a:t>
+                      </a:r>
+                      <a:endParaRPr lang="zh-CN" sz="1200">
+                        <a:effectLst/>
+                        <a:latin typeface="Cambria" panose="02040503050406030204" pitchFamily="18" charset="0"/>
+                        <a:ea typeface="宋体" panose="02010600030101010101" pitchFamily="2" charset="-122"/>
+                        <a:cs typeface="Times New Roman" panose="02020603050405020304" pitchFamily="18" charset="0"/>
+                      </a:endParaRPr>
+                    </a:p>
+                  </a:txBody>
+                  <a:tcPr marL="68580" marR="68580" marT="0" marB="0"/>
+                </a:tc>
+                <a:tc>
+                  <a:txBody>
+                    <a:bodyPr/>
+                    <a:lstStyle/>
+                    <a:p>
+                      <a:pPr>
+                        <a:lnSpc>
+                          <a:spcPct val="115000"/>
+                        </a:lnSpc>
+                        <a:spcBef>
+                          <a:spcPts val="180"/>
+                        </a:spcBef>
+                        <a:spcAft>
+                          <a:spcPts val="180"/>
+                        </a:spcAft>
+                      </a:pPr>
+                      <a:r>
+                        <a:rPr lang="en-US" sz="1200">
+                          <a:effectLst/>
+                        </a:rPr>
+                        <a:t>1</a:t>
+                      </a:r>
+                      <a:endParaRPr lang="zh-CN" sz="1200">
+                        <a:effectLst/>
+                        <a:latin typeface="Cambria" panose="02040503050406030204" pitchFamily="18" charset="0"/>
+                        <a:ea typeface="宋体" panose="02010600030101010101" pitchFamily="2" charset="-122"/>
+                        <a:cs typeface="Times New Roman" panose="02020603050405020304" pitchFamily="18" charset="0"/>
+                      </a:endParaRPr>
+                    </a:p>
+                  </a:txBody>
+                  <a:tcPr marL="68580" marR="68580" marT="0" marB="0"/>
+                </a:tc>
+                <a:tc>
+                  <a:txBody>
+                    <a:bodyPr/>
+                    <a:lstStyle/>
+                    <a:p>
+                      <a:pPr>
+                        <a:lnSpc>
+                          <a:spcPct val="115000"/>
+                        </a:lnSpc>
+                        <a:spcBef>
+                          <a:spcPts val="180"/>
+                        </a:spcBef>
+                        <a:spcAft>
+                          <a:spcPts val="180"/>
+                        </a:spcAft>
+                      </a:pPr>
+                      <a:r>
+                        <a:rPr lang="en-US" sz="1200" dirty="0">
+                          <a:effectLst/>
+                        </a:rPr>
+                        <a:t>4</a:t>
+                      </a:r>
+                      <a:endParaRPr lang="zh-CN" sz="1200" dirty="0">
+                        <a:effectLst/>
+                        <a:latin typeface="Cambria" panose="02040503050406030204" pitchFamily="18" charset="0"/>
+                        <a:ea typeface="宋体" panose="02010600030101010101" pitchFamily="2" charset="-122"/>
+                        <a:cs typeface="Times New Roman" panose="02020603050405020304" pitchFamily="18" charset="0"/>
+                      </a:endParaRPr>
+                    </a:p>
+                  </a:txBody>
+                  <a:tcPr marL="68580" marR="68580" marT="0" marB="0"/>
+                </a:tc>
+                <a:extLst>
+                  <a:ext uri="{0D108BD9-81ED-4DB2-BD59-A6C34878D82A}">
+                    <a16:rowId xmlns:a16="http://schemas.microsoft.com/office/drawing/2014/main" val="1624601468"/>
+                  </a:ext>
+                </a:extLst>
+              </a:tr>
+            </a:tbl>
+          </a:graphicData>
+        </a:graphic>
+      </p:graphicFrame>
+      <p:graphicFrame>
+        <p:nvGraphicFramePr>
+          <p:cNvPr id="14" name="表格 13">
+            <a:extLst>
+              <a:ext uri="{FF2B5EF4-FFF2-40B4-BE49-F238E27FC236}">
+                <a16:creationId xmlns:a16="http://schemas.microsoft.com/office/drawing/2014/main" id="{5DAE8D80-98D3-4CAC-9A73-6FC3EF99110C}"/>
+              </a:ext>
+            </a:extLst>
+          </p:cNvPr>
+          <p:cNvGraphicFramePr>
+            <a:graphicFrameLocks noGrp="1"/>
+          </p:cNvGraphicFramePr>
+          <p:nvPr>
+            <p:extLst>
+              <p:ext uri="{D42A27DB-BD31-4B8C-83A1-F6EECF244321}">
+                <p14:modId xmlns:p14="http://schemas.microsoft.com/office/powerpoint/2010/main" val="2321675775"/>
+              </p:ext>
+            </p:extLst>
+          </p:nvPr>
+        </p:nvGraphicFramePr>
+        <p:xfrm>
+          <a:off x="1929046" y="3562826"/>
+          <a:ext cx="5645300" cy="772584"/>
+        </p:xfrm>
+        <a:graphic>
+          <a:graphicData uri="http://schemas.openxmlformats.org/drawingml/2006/table">
+            <a:tbl>
+              <a:tblPr firstRow="1" firstCol="1" lastRow="1" lastCol="1">
+                <a:tableStyleId>{5940675A-B579-460E-94D1-54222C63F5DA}</a:tableStyleId>
+              </a:tblPr>
+              <a:tblGrid>
+                <a:gridCol w="1129060">
+                  <a:extLst>
+                    <a:ext uri="{9D8B030D-6E8A-4147-A177-3AD203B41FA5}">
+                      <a16:colId xmlns:a16="http://schemas.microsoft.com/office/drawing/2014/main" val="4075022437"/>
+                    </a:ext>
+                  </a:extLst>
+                </a:gridCol>
+                <a:gridCol w="1129060">
+                  <a:extLst>
+                    <a:ext uri="{9D8B030D-6E8A-4147-A177-3AD203B41FA5}">
+                      <a16:colId xmlns:a16="http://schemas.microsoft.com/office/drawing/2014/main" val="3300128040"/>
+                    </a:ext>
+                  </a:extLst>
+                </a:gridCol>
+                <a:gridCol w="1129060">
+                  <a:extLst>
+                    <a:ext uri="{9D8B030D-6E8A-4147-A177-3AD203B41FA5}">
+                      <a16:colId xmlns:a16="http://schemas.microsoft.com/office/drawing/2014/main" val="298236768"/>
+                    </a:ext>
+                  </a:extLst>
+                </a:gridCol>
+                <a:gridCol w="1129060">
+                  <a:extLst>
+                    <a:ext uri="{9D8B030D-6E8A-4147-A177-3AD203B41FA5}">
+                      <a16:colId xmlns:a16="http://schemas.microsoft.com/office/drawing/2014/main" val="619535288"/>
+                    </a:ext>
+                  </a:extLst>
+                </a:gridCol>
+                <a:gridCol w="1129060">
+                  <a:extLst>
+                    <a:ext uri="{9D8B030D-6E8A-4147-A177-3AD203B41FA5}">
+                      <a16:colId xmlns:a16="http://schemas.microsoft.com/office/drawing/2014/main" val="4220715842"/>
+                    </a:ext>
+                  </a:extLst>
+                </a:gridCol>
+              </a:tblGrid>
+              <a:tr h="386292">
+                <a:tc>
+                  <a:txBody>
+                    <a:bodyPr/>
+                    <a:lstStyle/>
+                    <a:p>
+                      <a:pPr>
+                        <a:lnSpc>
+                          <a:spcPct val="115000"/>
+                        </a:lnSpc>
+                        <a:spcBef>
+                          <a:spcPts val="180"/>
+                        </a:spcBef>
+                        <a:spcAft>
+                          <a:spcPts val="180"/>
+                        </a:spcAft>
+                      </a:pPr>
+                      <a:r>
+                        <a:rPr lang="en-US" sz="1200">
+                          <a:effectLst/>
+                        </a:rPr>
+                        <a:t>index→</a:t>
+                      </a:r>
+                      <a:endParaRPr lang="zh-CN" sz="1200">
+                        <a:effectLst/>
+                        <a:latin typeface="Cambria" panose="02040503050406030204" pitchFamily="18" charset="0"/>
+                        <a:ea typeface="宋体" panose="02010600030101010101" pitchFamily="2" charset="-122"/>
+                        <a:cs typeface="Times New Roman" panose="02020603050405020304" pitchFamily="18" charset="0"/>
+                      </a:endParaRPr>
+                    </a:p>
+                  </a:txBody>
+                  <a:tcPr marL="68580" marR="68580" marT="0" marB="0"/>
+                </a:tc>
+                <a:tc>
+                  <a:txBody>
+                    <a:bodyPr/>
+                    <a:lstStyle/>
+                    <a:p>
+                      <a:pPr>
+                        <a:lnSpc>
+                          <a:spcPct val="115000"/>
+                        </a:lnSpc>
+                        <a:spcBef>
+                          <a:spcPts val="180"/>
+                        </a:spcBef>
+                        <a:spcAft>
+                          <a:spcPts val="180"/>
+                        </a:spcAft>
+                      </a:pPr>
+                      <a:r>
+                        <a:rPr lang="en-US" sz="1200">
+                          <a:effectLst/>
+                        </a:rPr>
+                        <a:t>0</a:t>
+                      </a:r>
+                      <a:endParaRPr lang="zh-CN" sz="1200">
+                        <a:effectLst/>
+                        <a:latin typeface="Cambria" panose="02040503050406030204" pitchFamily="18" charset="0"/>
+                        <a:ea typeface="宋体" panose="02010600030101010101" pitchFamily="2" charset="-122"/>
+                        <a:cs typeface="Times New Roman" panose="02020603050405020304" pitchFamily="18" charset="0"/>
+                      </a:endParaRPr>
+                    </a:p>
+                  </a:txBody>
+                  <a:tcPr marL="68580" marR="68580" marT="0" marB="0"/>
+                </a:tc>
+                <a:tc>
+                  <a:txBody>
+                    <a:bodyPr/>
+                    <a:lstStyle/>
+                    <a:p>
+                      <a:pPr>
+                        <a:lnSpc>
+                          <a:spcPct val="115000"/>
+                        </a:lnSpc>
+                        <a:spcBef>
+                          <a:spcPts val="180"/>
+                        </a:spcBef>
+                        <a:spcAft>
+                          <a:spcPts val="180"/>
+                        </a:spcAft>
+                      </a:pPr>
+                      <a:r>
+                        <a:rPr lang="en-US" sz="1200">
+                          <a:effectLst/>
+                        </a:rPr>
+                        <a:t>1</a:t>
+                      </a:r>
+                      <a:endParaRPr lang="zh-CN" sz="1200">
+                        <a:effectLst/>
+                        <a:latin typeface="Cambria" panose="02040503050406030204" pitchFamily="18" charset="0"/>
+                        <a:ea typeface="宋体" panose="02010600030101010101" pitchFamily="2" charset="-122"/>
+                        <a:cs typeface="Times New Roman" panose="02020603050405020304" pitchFamily="18" charset="0"/>
+                      </a:endParaRPr>
+                    </a:p>
+                  </a:txBody>
+                  <a:tcPr marL="68580" marR="68580" marT="0" marB="0"/>
+                </a:tc>
+                <a:tc>
+                  <a:txBody>
+                    <a:bodyPr/>
+                    <a:lstStyle/>
+                    <a:p>
+                      <a:pPr>
+                        <a:lnSpc>
+                          <a:spcPct val="115000"/>
+                        </a:lnSpc>
+                        <a:spcBef>
+                          <a:spcPts val="180"/>
+                        </a:spcBef>
+                        <a:spcAft>
+                          <a:spcPts val="180"/>
+                        </a:spcAft>
+                      </a:pPr>
+                      <a:r>
+                        <a:rPr lang="en-US" sz="1200">
+                          <a:effectLst/>
+                        </a:rPr>
+                        <a:t>2</a:t>
+                      </a:r>
+                      <a:endParaRPr lang="zh-CN" sz="1200">
+                        <a:effectLst/>
+                        <a:latin typeface="Cambria" panose="02040503050406030204" pitchFamily="18" charset="0"/>
+                        <a:ea typeface="宋体" panose="02010600030101010101" pitchFamily="2" charset="-122"/>
+                        <a:cs typeface="Times New Roman" panose="02020603050405020304" pitchFamily="18" charset="0"/>
+                      </a:endParaRPr>
+                    </a:p>
+                  </a:txBody>
+                  <a:tcPr marL="68580" marR="68580" marT="0" marB="0"/>
+                </a:tc>
+                <a:tc>
+                  <a:txBody>
+                    <a:bodyPr/>
+                    <a:lstStyle/>
+                    <a:p>
+                      <a:pPr>
+                        <a:lnSpc>
+                          <a:spcPct val="115000"/>
+                        </a:lnSpc>
+                        <a:spcBef>
+                          <a:spcPts val="180"/>
+                        </a:spcBef>
+                        <a:spcAft>
+                          <a:spcPts val="180"/>
+                        </a:spcAft>
+                      </a:pPr>
+                      <a:r>
+                        <a:rPr lang="en-US" sz="1200">
+                          <a:effectLst/>
+                        </a:rPr>
+                        <a:t>3</a:t>
+                      </a:r>
+                      <a:endParaRPr lang="zh-CN" sz="1200">
+                        <a:effectLst/>
+                        <a:latin typeface="Cambria" panose="02040503050406030204" pitchFamily="18" charset="0"/>
+                        <a:ea typeface="宋体" panose="02010600030101010101" pitchFamily="2" charset="-122"/>
+                        <a:cs typeface="Times New Roman" panose="02020603050405020304" pitchFamily="18" charset="0"/>
+                      </a:endParaRPr>
+                    </a:p>
+                  </a:txBody>
+                  <a:tcPr marL="68580" marR="68580" marT="0" marB="0"/>
+                </a:tc>
+                <a:extLst>
+                  <a:ext uri="{0D108BD9-81ED-4DB2-BD59-A6C34878D82A}">
+                    <a16:rowId xmlns:a16="http://schemas.microsoft.com/office/drawing/2014/main" val="2171161429"/>
+                  </a:ext>
+                </a:extLst>
+              </a:tr>
+              <a:tr h="386292">
+                <a:tc>
+                  <a:txBody>
+                    <a:bodyPr/>
+                    <a:lstStyle/>
+                    <a:p>
+                      <a:pPr>
+                        <a:lnSpc>
+                          <a:spcPct val="115000"/>
+                        </a:lnSpc>
+                        <a:spcBef>
+                          <a:spcPts val="180"/>
+                        </a:spcBef>
+                        <a:spcAft>
+                          <a:spcPts val="180"/>
+                        </a:spcAft>
+                      </a:pPr>
+                      <a:r>
+                        <a:rPr lang="en-US" sz="1200">
+                          <a:effectLst/>
+                        </a:rPr>
+                        <a:t>sum</a:t>
+                      </a:r>
+                      <a:endParaRPr lang="zh-CN" sz="1200">
+                        <a:effectLst/>
+                        <a:latin typeface="Cambria" panose="02040503050406030204" pitchFamily="18" charset="0"/>
+                        <a:ea typeface="宋体" panose="02010600030101010101" pitchFamily="2" charset="-122"/>
+                        <a:cs typeface="Times New Roman" panose="02020603050405020304" pitchFamily="18" charset="0"/>
+                      </a:endParaRPr>
+                    </a:p>
+                  </a:txBody>
+                  <a:tcPr marL="68580" marR="68580" marT="0" marB="0"/>
+                </a:tc>
+                <a:tc>
+                  <a:txBody>
+                    <a:bodyPr/>
+                    <a:lstStyle/>
+                    <a:p>
+                      <a:pPr>
+                        <a:lnSpc>
+                          <a:spcPct val="115000"/>
+                        </a:lnSpc>
+                        <a:spcBef>
+                          <a:spcPts val="180"/>
+                        </a:spcBef>
+                        <a:spcAft>
+                          <a:spcPts val="180"/>
+                        </a:spcAft>
+                      </a:pPr>
+                      <a:r>
+                        <a:rPr lang="en-US" sz="1200">
+                          <a:effectLst/>
+                        </a:rPr>
+                        <a:t>0</a:t>
+                      </a:r>
+                      <a:endParaRPr lang="zh-CN" sz="1200">
+                        <a:effectLst/>
+                        <a:latin typeface="Cambria" panose="02040503050406030204" pitchFamily="18" charset="0"/>
+                        <a:ea typeface="宋体" panose="02010600030101010101" pitchFamily="2" charset="-122"/>
+                        <a:cs typeface="Times New Roman" panose="02020603050405020304" pitchFamily="18" charset="0"/>
+                      </a:endParaRPr>
+                    </a:p>
+                  </a:txBody>
+                  <a:tcPr marL="68580" marR="68580" marT="0" marB="0"/>
+                </a:tc>
+                <a:tc>
+                  <a:txBody>
+                    <a:bodyPr/>
+                    <a:lstStyle/>
+                    <a:p>
+                      <a:pPr>
+                        <a:lnSpc>
+                          <a:spcPct val="115000"/>
+                        </a:lnSpc>
+                        <a:spcBef>
+                          <a:spcPts val="180"/>
+                        </a:spcBef>
+                        <a:spcAft>
+                          <a:spcPts val="180"/>
+                        </a:spcAft>
+                      </a:pPr>
+                      <a:r>
+                        <a:rPr lang="en-US" sz="1200">
+                          <a:effectLst/>
+                        </a:rPr>
+                        <a:t>5</a:t>
+                      </a:r>
+                      <a:endParaRPr lang="zh-CN" sz="1200">
+                        <a:effectLst/>
+                        <a:latin typeface="Cambria" panose="02040503050406030204" pitchFamily="18" charset="0"/>
+                        <a:ea typeface="宋体" panose="02010600030101010101" pitchFamily="2" charset="-122"/>
+                        <a:cs typeface="Times New Roman" panose="02020603050405020304" pitchFamily="18" charset="0"/>
+                      </a:endParaRPr>
+                    </a:p>
+                  </a:txBody>
+                  <a:tcPr marL="68580" marR="68580" marT="0" marB="0"/>
+                </a:tc>
+                <a:tc>
+                  <a:txBody>
+                    <a:bodyPr/>
+                    <a:lstStyle/>
+                    <a:p>
+                      <a:pPr>
+                        <a:lnSpc>
+                          <a:spcPct val="115000"/>
+                        </a:lnSpc>
+                        <a:spcBef>
+                          <a:spcPts val="180"/>
+                        </a:spcBef>
+                        <a:spcAft>
+                          <a:spcPts val="180"/>
+                        </a:spcAft>
+                      </a:pPr>
+                      <a:r>
+                        <a:rPr lang="en-US" sz="1200">
+                          <a:effectLst/>
+                        </a:rPr>
+                        <a:t>6</a:t>
+                      </a:r>
+                      <a:endParaRPr lang="zh-CN" sz="1200">
+                        <a:effectLst/>
+                        <a:latin typeface="Cambria" panose="02040503050406030204" pitchFamily="18" charset="0"/>
+                        <a:ea typeface="宋体" panose="02010600030101010101" pitchFamily="2" charset="-122"/>
+                        <a:cs typeface="Times New Roman" panose="02020603050405020304" pitchFamily="18" charset="0"/>
+                      </a:endParaRPr>
+                    </a:p>
+                  </a:txBody>
+                  <a:tcPr marL="68580" marR="68580" marT="0" marB="0"/>
+                </a:tc>
+                <a:tc>
+                  <a:txBody>
+                    <a:bodyPr/>
+                    <a:lstStyle/>
+                    <a:p>
+                      <a:pPr>
+                        <a:lnSpc>
+                          <a:spcPct val="115000"/>
+                        </a:lnSpc>
+                        <a:spcBef>
+                          <a:spcPts val="180"/>
+                        </a:spcBef>
+                        <a:spcAft>
+                          <a:spcPts val="180"/>
+                        </a:spcAft>
+                      </a:pPr>
+                      <a:r>
+                        <a:rPr lang="en-US" sz="1200" dirty="0">
+                          <a:effectLst/>
+                        </a:rPr>
+                        <a:t>10</a:t>
+                      </a:r>
+                      <a:endParaRPr lang="zh-CN" sz="1200" dirty="0">
+                        <a:effectLst/>
+                        <a:latin typeface="Cambria" panose="02040503050406030204" pitchFamily="18" charset="0"/>
+                        <a:ea typeface="宋体" panose="02010600030101010101" pitchFamily="2" charset="-122"/>
+                        <a:cs typeface="Times New Roman" panose="02020603050405020304" pitchFamily="18" charset="0"/>
+                      </a:endParaRPr>
+                    </a:p>
+                  </a:txBody>
+                  <a:tcPr marL="68580" marR="68580" marT="0" marB="0"/>
+                </a:tc>
+                <a:extLst>
+                  <a:ext uri="{0D108BD9-81ED-4DB2-BD59-A6C34878D82A}">
+                    <a16:rowId xmlns:a16="http://schemas.microsoft.com/office/drawing/2014/main" val="129940263"/>
+                  </a:ext>
+                </a:extLst>
+              </a:tr>
+            </a:tbl>
+          </a:graphicData>
+        </a:graphic>
+      </p:graphicFrame>
+    </p:spTree>
+    <p:extLst>
+      <p:ext uri="{BB962C8B-B14F-4D97-AF65-F5344CB8AC3E}">
+        <p14:creationId xmlns:p14="http://schemas.microsoft.com/office/powerpoint/2010/main" val="305469601"/>
+      </p:ext>
+    </p:extLst>
+  </p:cSld>
+  <p:clrMapOvr>
+    <a:masterClrMapping/>
+  </p:clrMapOvr>
+</p:sld>
+</file>
+
+<file path=ppt/slides/slide18.xml><?xml version="1.0" encoding="utf-8"?>
+<p:sld xmlns:a="http://schemas.openxmlformats.org/drawingml/2006/main" xmlns:r="http://schemas.openxmlformats.org/officeDocument/2006/relationships" xmlns:p="http://schemas.openxmlformats.org/presentationml/2006/main">
+  <p:cSld>
+    <p:spTree>
+      <p:nvGrpSpPr>
+        <p:cNvPr id="1" name=""/>
+        <p:cNvGrpSpPr/>
+        <p:nvPr/>
+      </p:nvGrpSpPr>
+      <p:grpSpPr>
+        <a:xfrm>
+          <a:off x="0" y="0"/>
+          <a:ext cx="0" cy="0"/>
+          <a:chOff x="0" y="0"/>
+          <a:chExt cx="0" cy="0"/>
+        </a:xfrm>
+      </p:grpSpPr>
+      <p:sp>
+        <p:nvSpPr>
+          <p:cNvPr id="2" name="标题 1">
+            <a:extLst>
+              <a:ext uri="{FF2B5EF4-FFF2-40B4-BE49-F238E27FC236}">
+                <a16:creationId xmlns:a16="http://schemas.microsoft.com/office/drawing/2014/main" id="{A5AA7EBD-BD79-4907-8652-E9D548011432}"/>
+              </a:ext>
+            </a:extLst>
+          </p:cNvPr>
+          <p:cNvSpPr>
+            <a:spLocks noGrp="1"/>
+          </p:cNvSpPr>
+          <p:nvPr>
+            <p:ph type="title"/>
+          </p:nvPr>
+        </p:nvSpPr>
+        <p:spPr/>
+        <p:txBody>
+          <a:bodyPr>
+            <a:normAutofit/>
+          </a:bodyPr>
+          <a:lstStyle/>
+          <a:p>
+            <a:r>
+              <a:rPr lang="en-US" altLang="zh-CN" dirty="0"/>
+              <a:t>5 – </a:t>
+            </a:r>
+            <a:r>
+              <a:rPr lang="zh-CN" altLang="en-US" dirty="0"/>
+              <a:t>实现过程</a:t>
+            </a:r>
+            <a:r>
+              <a:rPr lang="en-US" altLang="zh-CN" dirty="0"/>
+              <a:t> </a:t>
+            </a:r>
+            <a:r>
+              <a:rPr lang="zh-CN" altLang="en-US" dirty="0"/>
+              <a:t>（</a:t>
+            </a:r>
+            <a:r>
+              <a:rPr lang="zh-CN" altLang="zh-CN" dirty="0"/>
+              <a:t>随机一个组合</a:t>
+            </a:r>
+            <a:r>
+              <a:rPr lang="zh-CN" altLang="en-US" dirty="0"/>
+              <a:t>）</a:t>
+            </a:r>
+          </a:p>
+        </p:txBody>
+      </p:sp>
+      <mc:AlternateContent xmlns:mc="http://schemas.openxmlformats.org/markup-compatibility/2006">
+        <mc:Choice xmlns:a14="http://schemas.microsoft.com/office/drawing/2010/main" Requires="a14">
+          <p:sp>
+            <p:nvSpPr>
+              <p:cNvPr id="3" name="内容占位符 2">
+                <a:extLst>
+                  <a:ext uri="{FF2B5EF4-FFF2-40B4-BE49-F238E27FC236}">
+                    <a16:creationId xmlns:a16="http://schemas.microsoft.com/office/drawing/2014/main" id="{7F6CD907-33CF-4EFC-A4AE-94F027BE3E9C}"/>
+                  </a:ext>
+                </a:extLst>
+              </p:cNvPr>
+              <p:cNvSpPr>
+                <a:spLocks noGrp="1"/>
+              </p:cNvSpPr>
+              <p:nvPr>
+                <p:ph idx="1"/>
+              </p:nvPr>
+            </p:nvSpPr>
+            <p:spPr/>
+            <p:txBody>
+              <a:bodyPr>
+                <a:normAutofit/>
+              </a:bodyPr>
+              <a:lstStyle/>
+              <a:p>
+                <a:r>
+                  <a:rPr lang="en-US" altLang="zh-CN" dirty="0" err="1"/>
+                  <a:t>当这个</a:t>
+                </a:r>
+                <a:r>
+                  <a:rPr lang="zh-CN" altLang="en-US" dirty="0"/>
+                  <a:t>随机</a:t>
+                </a:r>
+                <a:r>
+                  <a:rPr lang="en-US" altLang="zh-CN" dirty="0" err="1"/>
+                  <a:t>数字对</a:t>
+                </a:r>
+                <a14:m>
+                  <m:oMath xmlns:m="http://schemas.openxmlformats.org/officeDocument/2006/math">
+                    <m:r>
+                      <a:rPr lang="en-US" altLang="zh-CN" i="1"/>
+                      <m:t>∑</m:t>
+                    </m:r>
+                    <m:r>
+                      <a:rPr lang="en-US" altLang="zh-CN" i="1"/>
+                      <m:t>𝑝𝑟𝑜𝑝</m:t>
+                    </m:r>
+                  </m:oMath>
+                </a14:m>
+                <a:r>
+                  <a:rPr lang="en-US" altLang="zh-CN" dirty="0" err="1"/>
+                  <a:t>取余时，其可以为</a:t>
+                </a:r>
+                <a14:m>
+                  <m:oMath xmlns:m="http://schemas.openxmlformats.org/officeDocument/2006/math">
+                    <m:r>
+                      <a:rPr lang="en-US" altLang="zh-CN" i="1"/>
+                      <m:t>[0,∑</m:t>
+                    </m:r>
+                    <m:r>
+                      <a:rPr lang="en-US" altLang="zh-CN" i="1"/>
+                      <m:t>𝑝𝑟𝑜𝑝</m:t>
+                    </m:r>
+                    <m:r>
+                      <a:rPr lang="en-US" altLang="zh-CN" i="1"/>
+                      <m:t>)</m:t>
+                    </m:r>
+                  </m:oMath>
+                </a14:m>
+                <a:r>
+                  <a:rPr lang="en-US" altLang="zh-CN" dirty="0" err="1"/>
+                  <a:t>中的任意一个数，每个数概率相等，而如果该数在</a:t>
+                </a:r>
+                <a:r>
+                  <a:rPr lang="en-US" altLang="zh-CN" dirty="0"/>
+                  <a:t>[sum[i-1],sum[</a:t>
+                </a:r>
+                <a:r>
+                  <a:rPr lang="en-US" altLang="zh-CN" dirty="0" err="1"/>
+                  <a:t>i</a:t>
+                </a:r>
+                <a:r>
+                  <a:rPr lang="en-US" altLang="zh-CN" dirty="0"/>
+                  <a:t>])</a:t>
+                </a:r>
+                <a:r>
+                  <a:rPr lang="en-US" altLang="zh-CN" dirty="0" err="1"/>
+                  <a:t>之间，共有prop</a:t>
+                </a:r>
+                <a:r>
+                  <a:rPr lang="en-US" altLang="zh-CN" dirty="0"/>
+                  <a:t>[</a:t>
+                </a:r>
+                <a:r>
+                  <a:rPr lang="en-US" altLang="zh-CN" dirty="0" err="1"/>
+                  <a:t>i</a:t>
+                </a:r>
+                <a:r>
+                  <a:rPr lang="en-US" altLang="zh-CN" dirty="0"/>
+                  <a:t>]</a:t>
+                </a:r>
+                <a:r>
+                  <a:rPr lang="en-US" altLang="zh-CN" dirty="0" err="1"/>
+                  <a:t>个数，所以其概率恰好为</a:t>
+                </a:r>
+                <a14:m>
+                  <m:oMath xmlns:m="http://schemas.openxmlformats.org/officeDocument/2006/math">
+                    <m:f>
+                      <m:fPr>
+                        <m:ctrlPr>
+                          <a:rPr lang="zh-CN" altLang="zh-CN" i="1"/>
+                        </m:ctrlPr>
+                      </m:fPr>
+                      <m:num>
+                        <m:r>
+                          <a:rPr lang="en-US" altLang="zh-CN" i="1"/>
+                          <m:t>𝑝𝑟𝑜</m:t>
+                        </m:r>
+                        <m:sSub>
+                          <m:sSubPr>
+                            <m:ctrlPr>
+                              <a:rPr lang="zh-CN" altLang="zh-CN" i="1"/>
+                            </m:ctrlPr>
+                          </m:sSubPr>
+                          <m:e>
+                            <m:r>
+                              <a:rPr lang="en-US" altLang="zh-CN" i="1"/>
+                              <m:t>𝑝</m:t>
+                            </m:r>
+                          </m:e>
+                          <m:sub>
+                            <m:r>
+                              <a:rPr lang="en-US" altLang="zh-CN" i="1"/>
+                              <m:t>𝑖</m:t>
+                            </m:r>
+                          </m:sub>
+                        </m:sSub>
+                      </m:num>
+                      <m:den>
+                        <m:r>
+                          <a:rPr lang="en-US" altLang="zh-CN" i="1"/>
+                          <m:t>∑</m:t>
+                        </m:r>
+                        <m:r>
+                          <a:rPr lang="en-US" altLang="zh-CN" i="1"/>
+                          <m:t>𝑝𝑟𝑜𝑝</m:t>
+                        </m:r>
+                      </m:den>
+                    </m:f>
+                  </m:oMath>
+                </a14:m>
+                <a:r>
+                  <a:rPr lang="en-US" altLang="zh-CN" dirty="0"/>
+                  <a:t>。</a:t>
+                </a:r>
+                <a:endParaRPr lang="zh-CN" altLang="zh-CN" dirty="0"/>
+              </a:p>
+              <a:p>
+                <a:endParaRPr lang="zh-CN" altLang="zh-CN" dirty="0"/>
+              </a:p>
+            </p:txBody>
+          </p:sp>
+        </mc:Choice>
+        <mc:Fallback>
+          <p:sp>
+            <p:nvSpPr>
+              <p:cNvPr id="3" name="内容占位符 2">
+                <a:extLst>
+                  <a:ext uri="{FF2B5EF4-FFF2-40B4-BE49-F238E27FC236}">
+                    <a16:creationId xmlns:a16="http://schemas.microsoft.com/office/drawing/2014/main" id="{7F6CD907-33CF-4EFC-A4AE-94F027BE3E9C}"/>
+                  </a:ext>
+                </a:extLst>
+              </p:cNvPr>
+              <p:cNvSpPr>
+                <a:spLocks noGrp="1" noRot="1" noChangeAspect="1" noMove="1" noResize="1" noEditPoints="1" noAdjustHandles="1" noChangeArrowheads="1" noChangeShapeType="1" noTextEdit="1"/>
+              </p:cNvSpPr>
+              <p:nvPr>
+                <p:ph idx="1"/>
+              </p:nvPr>
+            </p:nvSpPr>
+            <p:spPr>
+              <a:blipFill>
+                <a:blip r:embed="rId2"/>
+                <a:stretch>
+                  <a:fillRect l="-927" t="-690" r="-590"/>
+                </a:stretch>
+              </a:blipFill>
+            </p:spPr>
+            <p:txBody>
+              <a:bodyPr/>
+              <a:lstStyle/>
+              <a:p>
+                <a:r>
+                  <a:rPr lang="zh-CN" altLang="en-US">
+                    <a:noFill/>
+                  </a:rPr>
+                  <a:t> </a:t>
+                </a:r>
+              </a:p>
+            </p:txBody>
+          </p:sp>
+        </mc:Fallback>
+      </mc:AlternateContent>
+    </p:spTree>
+    <p:extLst>
+      <p:ext uri="{BB962C8B-B14F-4D97-AF65-F5344CB8AC3E}">
+        <p14:creationId xmlns:p14="http://schemas.microsoft.com/office/powerpoint/2010/main" val="3120777626"/>
+      </p:ext>
+    </p:extLst>
+  </p:cSld>
+  <p:clrMapOvr>
+    <a:masterClrMapping/>
+  </p:clrMapOvr>
+</p:sld>
+</file>
+
+<file path=ppt/slides/slide19.xml><?xml version="1.0" encoding="utf-8"?>
+<p:sld xmlns:a="http://schemas.openxmlformats.org/drawingml/2006/main" xmlns:r="http://schemas.openxmlformats.org/officeDocument/2006/relationships" xmlns:p="http://schemas.openxmlformats.org/presentationml/2006/main">
+  <p:cSld>
+    <p:spTree>
+      <p:nvGrpSpPr>
+        <p:cNvPr id="1" name=""/>
+        <p:cNvGrpSpPr/>
+        <p:nvPr/>
+      </p:nvGrpSpPr>
+      <p:grpSpPr>
+        <a:xfrm>
+          <a:off x="0" y="0"/>
+          <a:ext cx="0" cy="0"/>
+          <a:chOff x="0" y="0"/>
+          <a:chExt cx="0" cy="0"/>
+        </a:xfrm>
+      </p:grpSpPr>
+      <p:sp>
+        <p:nvSpPr>
+          <p:cNvPr id="2" name="标题 1">
+            <a:extLst>
+              <a:ext uri="{FF2B5EF4-FFF2-40B4-BE49-F238E27FC236}">
+                <a16:creationId xmlns:a16="http://schemas.microsoft.com/office/drawing/2014/main" id="{A5AA7EBD-BD79-4907-8652-E9D548011432}"/>
+              </a:ext>
+            </a:extLst>
+          </p:cNvPr>
+          <p:cNvSpPr>
+            <a:spLocks noGrp="1"/>
+          </p:cNvSpPr>
+          <p:nvPr>
+            <p:ph type="title"/>
+          </p:nvPr>
+        </p:nvSpPr>
+        <p:spPr/>
+        <p:txBody>
+          <a:bodyPr>
+            <a:normAutofit/>
+          </a:bodyPr>
+          <a:lstStyle/>
+          <a:p>
+            <a:r>
+              <a:rPr lang="en-US" altLang="zh-CN" dirty="0"/>
+              <a:t>5 – </a:t>
+            </a:r>
+            <a:r>
+              <a:rPr lang="zh-CN" altLang="en-US" dirty="0"/>
+              <a:t>实现过程</a:t>
+            </a:r>
+            <a:r>
+              <a:rPr lang="en-US" altLang="zh-CN" dirty="0"/>
+              <a:t> </a:t>
+            </a:r>
+            <a:r>
+              <a:rPr lang="zh-CN" altLang="en-US" dirty="0"/>
+              <a:t>（</a:t>
+            </a:r>
+            <a:r>
+              <a:rPr lang="en-US" altLang="zh-CN" dirty="0"/>
+              <a:t>DFS</a:t>
+            </a:r>
+            <a:r>
+              <a:rPr lang="zh-CN" altLang="zh-CN" dirty="0"/>
+              <a:t>生成伪单词</a:t>
+            </a:r>
+            <a:r>
+              <a:rPr lang="zh-CN" altLang="en-US" dirty="0"/>
+              <a:t>）</a:t>
+            </a:r>
+          </a:p>
+        </p:txBody>
+      </p:sp>
+      <p:sp>
+        <p:nvSpPr>
+          <p:cNvPr id="3" name="内容占位符 2">
+            <a:extLst>
+              <a:ext uri="{FF2B5EF4-FFF2-40B4-BE49-F238E27FC236}">
+                <a16:creationId xmlns:a16="http://schemas.microsoft.com/office/drawing/2014/main" id="{7F6CD907-33CF-4EFC-A4AE-94F027BE3E9C}"/>
+              </a:ext>
+            </a:extLst>
+          </p:cNvPr>
+          <p:cNvSpPr>
+            <a:spLocks noGrp="1"/>
+          </p:cNvSpPr>
+          <p:nvPr>
+            <p:ph idx="1"/>
+          </p:nvPr>
+        </p:nvSpPr>
+        <p:spPr/>
+        <p:txBody>
+          <a:bodyPr>
+            <a:normAutofit/>
+          </a:bodyPr>
+          <a:lstStyle/>
+          <a:p>
+            <a:r>
+              <a:rPr lang="en-US" altLang="zh-CN" dirty="0"/>
+              <a:t>DFS</a:t>
+            </a:r>
+            <a:r>
+              <a:rPr lang="zh-CN" altLang="zh-CN" dirty="0"/>
+              <a:t>就是正常的深度优先搜索。先通过随机生成的组合来建成一个有向图，拥有</a:t>
+            </a:r>
+            <a:r>
+              <a:rPr lang="en-US" altLang="zh-CN" b="1" dirty="0"/>
+              <a:t>start</a:t>
+            </a:r>
+            <a:r>
+              <a:rPr lang="zh-CN" altLang="zh-CN" dirty="0"/>
+              <a:t>节点及</a:t>
+            </a:r>
+            <a:r>
+              <a:rPr lang="en-US" altLang="zh-CN" b="1" dirty="0"/>
+              <a:t>end</a:t>
+            </a:r>
+            <a:r>
+              <a:rPr lang="zh-CN" altLang="zh-CN" dirty="0"/>
+              <a:t>节点。深度优先搜索即从</a:t>
+            </a:r>
+            <a:r>
+              <a:rPr lang="en-US" altLang="zh-CN" b="1" dirty="0"/>
+              <a:t>start</a:t>
+            </a:r>
+            <a:r>
+              <a:rPr lang="zh-CN" altLang="zh-CN" dirty="0"/>
+              <a:t>节点开始搜索。由于图可能存在环状结构，因此可以通过给定的深度（单词部分的长度）来判断单词是否结束。通过此种方法，可以按照某种顺序生成出伪单词。</a:t>
+            </a:r>
+            <a:endParaRPr lang="en-US" altLang="zh-CN" dirty="0"/>
+          </a:p>
+          <a:p>
+            <a:r>
+              <a:rPr lang="zh-CN" altLang="zh-CN" dirty="0"/>
+              <a:t>这一步的原始数据完全依赖于上一步的随机单词。如果随机选出的单词出现了</a:t>
+            </a:r>
+            <a:r>
+              <a:rPr lang="en-US" altLang="zh-CN" dirty="0"/>
+              <a:t>o</a:t>
+            </a:r>
+            <a:r>
+              <a:rPr lang="zh-CN" altLang="zh-CN" dirty="0"/>
+              <a:t>接</a:t>
+            </a:r>
+            <a:r>
+              <a:rPr lang="en-US" altLang="zh-CN" dirty="0"/>
+              <a:t>n</a:t>
+            </a:r>
+            <a:r>
+              <a:rPr lang="zh-CN" altLang="zh-CN" dirty="0"/>
+              <a:t>，</a:t>
+            </a:r>
+            <a:r>
+              <a:rPr lang="en-US" altLang="zh-CN" dirty="0"/>
+              <a:t>n</a:t>
+            </a:r>
+            <a:r>
+              <a:rPr lang="zh-CN" altLang="zh-CN" dirty="0"/>
+              <a:t>接</a:t>
+            </a:r>
+            <a:r>
+              <a:rPr lang="en-US" altLang="zh-CN" dirty="0"/>
+              <a:t>o</a:t>
+            </a:r>
+            <a:r>
+              <a:rPr lang="zh-CN" altLang="zh-CN" dirty="0"/>
+              <a:t>的情况，生成出的单词将会出现像</a:t>
+            </a:r>
+            <a:r>
+              <a:rPr lang="en-US" altLang="zh-CN" dirty="0" err="1"/>
+              <a:t>nonononononono</a:t>
+            </a:r>
+            <a:r>
+              <a:rPr lang="zh-CN" altLang="zh-CN" dirty="0"/>
+              <a:t>一样的单词，所以对于</a:t>
+            </a:r>
+            <a:r>
+              <a:rPr lang="en-US" altLang="zh-CN" dirty="0" err="1"/>
+              <a:t>dfs</a:t>
+            </a:r>
+            <a:r>
+              <a:rPr lang="zh-CN" altLang="zh-CN" dirty="0"/>
+              <a:t>，我们同样需要对深度进行限制。</a:t>
+            </a:r>
+            <a:endParaRPr lang="en-US" altLang="zh-CN" dirty="0"/>
+          </a:p>
+          <a:p>
+            <a:r>
+              <a:rPr lang="zh-CN" altLang="en-US"/>
+              <a:t>如下图</a:t>
+            </a:r>
+            <a:endParaRPr lang="zh-CN" altLang="zh-CN" dirty="0"/>
+          </a:p>
+        </p:txBody>
+      </p:sp>
+    </p:spTree>
+    <p:extLst>
+      <p:ext uri="{BB962C8B-B14F-4D97-AF65-F5344CB8AC3E}">
+        <p14:creationId xmlns:p14="http://schemas.microsoft.com/office/powerpoint/2010/main" val="3969245877"/>
       </p:ext>
     </p:extLst>
   </p:cSld>
@@ -4280,10 +6597,9 @@
           <a:lstStyle/>
           <a:p>
             <a:r>
-              <a:rPr lang="zh-CN" altLang="en-US" dirty="0" smtClean="0"/>
+              <a:rPr lang="zh-CN" altLang="en-US" dirty="0"/>
               <a:t>开源项目地址</a:t>
             </a:r>
-            <a:endParaRPr lang="zh-CN" altLang="en-US" dirty="0"/>
           </a:p>
         </p:txBody>
       </p:sp>
@@ -4305,7 +6621,7 @@
           <a:lstStyle/>
           <a:p>
             <a:r>
-              <a:rPr lang="en-US" altLang="zh-CN" sz="1600" dirty="0" smtClean="0"/>
+              <a:rPr lang="en-US" altLang="zh-CN" sz="1600" dirty="0"/>
               <a:t>https://github.com/bdfzoier/Monkey_Type</a:t>
             </a:r>
             <a:endParaRPr lang="zh-CN" altLang="en-US" sz="1600" dirty="0"/>
@@ -4316,6 +6632,240 @@
     <p:extLst>
       <p:ext uri="{BB962C8B-B14F-4D97-AF65-F5344CB8AC3E}">
         <p14:creationId xmlns:p14="http://schemas.microsoft.com/office/powerpoint/2010/main" val="3593028772"/>
+      </p:ext>
+    </p:extLst>
+  </p:cSld>
+  <p:clrMapOvr>
+    <a:masterClrMapping/>
+  </p:clrMapOvr>
+</p:sld>
+</file>
+
+<file path=ppt/slides/slide20.xml><?xml version="1.0" encoding="utf-8"?>
+<p:sld xmlns:a="http://schemas.openxmlformats.org/drawingml/2006/main" xmlns:r="http://schemas.openxmlformats.org/officeDocument/2006/relationships" xmlns:p="http://schemas.openxmlformats.org/presentationml/2006/main">
+  <p:cSld>
+    <p:spTree>
+      <p:nvGrpSpPr>
+        <p:cNvPr id="1" name=""/>
+        <p:cNvGrpSpPr/>
+        <p:nvPr/>
+      </p:nvGrpSpPr>
+      <p:grpSpPr>
+        <a:xfrm>
+          <a:off x="0" y="0"/>
+          <a:ext cx="0" cy="0"/>
+          <a:chOff x="0" y="0"/>
+          <a:chExt cx="0" cy="0"/>
+        </a:xfrm>
+      </p:grpSpPr>
+      <p:sp>
+        <p:nvSpPr>
+          <p:cNvPr id="2" name="标题 1">
+            <a:extLst>
+              <a:ext uri="{FF2B5EF4-FFF2-40B4-BE49-F238E27FC236}">
+                <a16:creationId xmlns:a16="http://schemas.microsoft.com/office/drawing/2014/main" id="{A5AA7EBD-BD79-4907-8652-E9D548011432}"/>
+              </a:ext>
+            </a:extLst>
+          </p:cNvPr>
+          <p:cNvSpPr>
+            <a:spLocks noGrp="1"/>
+          </p:cNvSpPr>
+          <p:nvPr>
+            <p:ph type="title"/>
+          </p:nvPr>
+        </p:nvSpPr>
+        <p:spPr/>
+        <p:txBody>
+          <a:bodyPr>
+            <a:normAutofit/>
+          </a:bodyPr>
+          <a:lstStyle/>
+          <a:p>
+            <a:r>
+              <a:rPr lang="en-US" altLang="zh-CN" dirty="0"/>
+              <a:t>5 – </a:t>
+            </a:r>
+            <a:r>
+              <a:rPr lang="zh-CN" altLang="en-US" dirty="0"/>
+              <a:t>实现过程</a:t>
+            </a:r>
+            <a:r>
+              <a:rPr lang="en-US" altLang="zh-CN" dirty="0"/>
+              <a:t> </a:t>
+            </a:r>
+            <a:r>
+              <a:rPr lang="zh-CN" altLang="en-US" dirty="0"/>
+              <a:t>（</a:t>
+            </a:r>
+            <a:r>
+              <a:rPr lang="en-US" altLang="zh-CN" dirty="0"/>
+              <a:t>DFS</a:t>
+            </a:r>
+            <a:r>
+              <a:rPr lang="zh-CN" altLang="zh-CN" dirty="0"/>
+              <a:t>生成伪单词</a:t>
+            </a:r>
+            <a:r>
+              <a:rPr lang="zh-CN" altLang="en-US" dirty="0"/>
+              <a:t>）</a:t>
+            </a:r>
+          </a:p>
+        </p:txBody>
+      </p:sp>
+      <p:pic>
+        <p:nvPicPr>
+          <p:cNvPr id="4" name="Picture">
+            <a:extLst>
+              <a:ext uri="{FF2B5EF4-FFF2-40B4-BE49-F238E27FC236}">
+                <a16:creationId xmlns:a16="http://schemas.microsoft.com/office/drawing/2014/main" id="{EE40E7B2-8732-4FCE-AD60-0605FA277561}"/>
+              </a:ext>
+            </a:extLst>
+          </p:cNvPr>
+          <p:cNvPicPr/>
+          <p:nvPr/>
+        </p:nvPicPr>
+        <p:blipFill>
+          <a:blip r:embed="rId2"/>
+          <a:stretch>
+            <a:fillRect/>
+          </a:stretch>
+        </p:blipFill>
+        <p:spPr bwMode="auto">
+          <a:xfrm>
+            <a:off x="1489098" y="1045809"/>
+            <a:ext cx="4680520" cy="4871156"/>
+          </a:xfrm>
+          <a:prstGeom prst="rect">
+            <a:avLst/>
+          </a:prstGeom>
+          <a:noFill/>
+          <a:ln w="9525">
+            <a:noFill/>
+            <a:headEnd/>
+            <a:tailEnd/>
+          </a:ln>
+        </p:spPr>
+      </p:pic>
+      <p:sp>
+        <p:nvSpPr>
+          <p:cNvPr id="5" name="文本框 4">
+            <a:extLst>
+              <a:ext uri="{FF2B5EF4-FFF2-40B4-BE49-F238E27FC236}">
+                <a16:creationId xmlns:a16="http://schemas.microsoft.com/office/drawing/2014/main" id="{6E5FFC4A-2CBC-495D-99A8-66CAEDA1110C}"/>
+              </a:ext>
+            </a:extLst>
+          </p:cNvPr>
+          <p:cNvSpPr txBox="1"/>
+          <p:nvPr/>
+        </p:nvSpPr>
+        <p:spPr>
+          <a:xfrm>
+            <a:off x="6269002" y="1252547"/>
+            <a:ext cx="2771800" cy="4664418"/>
+          </a:xfrm>
+          <a:prstGeom prst="rect">
+            <a:avLst/>
+          </a:prstGeom>
+          <a:noFill/>
+        </p:spPr>
+        <p:txBody>
+          <a:bodyPr wrap="square" rtlCol="0">
+            <a:spAutoFit/>
+          </a:bodyPr>
+          <a:lstStyle/>
+          <a:p>
+            <a:pPr>
+              <a:lnSpc>
+                <a:spcPct val="130000"/>
+              </a:lnSpc>
+            </a:pPr>
+            <a:r>
+              <a:rPr lang="en-US" altLang="zh-CN" dirty="0"/>
+              <a:t>这样，如果深度为4，从start节点开始进行DFS搜索的序列为：start → g → </a:t>
+            </a:r>
+            <a:r>
+              <a:rPr lang="en-US" altLang="zh-CN" dirty="0" err="1"/>
+              <a:t>oo</a:t>
+            </a:r>
+            <a:r>
+              <a:rPr lang="en-US" altLang="zh-CN" dirty="0"/>
+              <a:t> → d → end ← d ← </a:t>
+            </a:r>
+            <a:r>
+              <a:rPr lang="en-US" altLang="zh-CN" dirty="0" err="1"/>
+              <a:t>oo</a:t>
+            </a:r>
+            <a:r>
+              <a:rPr lang="en-US" altLang="zh-CN" dirty="0"/>
+              <a:t> ← g ← start → gr → </a:t>
+            </a:r>
+            <a:r>
+              <a:rPr lang="en-US" altLang="zh-CN" dirty="0" err="1"/>
+              <a:t>ea</a:t>
+            </a:r>
+            <a:r>
+              <a:rPr lang="en-US" altLang="zh-CN" dirty="0"/>
+              <a:t> → s → e ← s ← </a:t>
+            </a:r>
+            <a:r>
+              <a:rPr lang="en-US" altLang="zh-CN" dirty="0" err="1"/>
+              <a:t>ea</a:t>
+            </a:r>
+            <a:r>
+              <a:rPr lang="en-US" altLang="zh-CN" dirty="0"/>
+              <a:t> → t → end ← t ← </a:t>
+            </a:r>
+            <a:r>
+              <a:rPr lang="en-US" altLang="zh-CN" dirty="0" err="1"/>
+              <a:t>ea</a:t>
+            </a:r>
+            <a:r>
+              <a:rPr lang="en-US" altLang="zh-CN" dirty="0"/>
+              <a:t> ← gr → a → </a:t>
+            </a:r>
+            <a:r>
+              <a:rPr lang="en-US" altLang="zh-CN" dirty="0" err="1"/>
+              <a:t>sp</a:t>
+            </a:r>
+            <a:r>
+              <a:rPr lang="en-US" altLang="zh-CN" dirty="0"/>
+              <a:t> → end ← </a:t>
+            </a:r>
+            <a:r>
+              <a:rPr lang="en-US" altLang="zh-CN" dirty="0" err="1"/>
+              <a:t>sp</a:t>
+            </a:r>
+            <a:r>
+              <a:rPr lang="en-US" altLang="zh-CN" dirty="0"/>
+              <a:t> ← a ← gr ← start （注：→</a:t>
+            </a:r>
+            <a:r>
+              <a:rPr lang="en-US" altLang="zh-CN" dirty="0" err="1"/>
+              <a:t>表示此深度优先搜索（DFS）算法的搜索顺序，而←表示回溯过程</a:t>
+            </a:r>
+            <a:r>
+              <a:rPr lang="en-US" altLang="zh-CN" dirty="0"/>
+              <a:t>）。</a:t>
+            </a:r>
+            <a:endParaRPr lang="zh-CN" altLang="zh-CN" dirty="0"/>
+          </a:p>
+          <a:p>
+            <a:pPr>
+              <a:lnSpc>
+                <a:spcPct val="130000"/>
+              </a:lnSpc>
+            </a:pPr>
+            <a:endParaRPr lang="zh-CN" altLang="en-US" sz="1400" dirty="0">
+              <a:latin typeface="Arial" panose="020B0604020202020204" pitchFamily="34" charset="0"/>
+              <a:ea typeface="微软雅黑" panose="020B0503020204020204" pitchFamily="34" charset="-122"/>
+            </a:endParaRPr>
+          </a:p>
+        </p:txBody>
+      </p:sp>
+    </p:spTree>
+    <p:extLst>
+      <p:ext uri="{BB962C8B-B14F-4D97-AF65-F5344CB8AC3E}">
+        <p14:creationId xmlns:p14="http://schemas.microsoft.com/office/powerpoint/2010/main" val="2656382219"/>
       </p:ext>
     </p:extLst>
   </p:cSld>
@@ -4358,22 +6908,21 @@
           <a:lstStyle/>
           <a:p>
             <a:r>
-              <a:rPr lang="en-US" altLang="zh-CN" dirty="0" smtClean="0"/>
+              <a:rPr lang="en-US" altLang="zh-CN" dirty="0"/>
               <a:t>0</a:t>
             </a:r>
             <a:r>
-              <a:rPr lang="zh-CN" altLang="en-US" dirty="0" smtClean="0"/>
+              <a:rPr lang="zh-CN" altLang="en-US" dirty="0"/>
               <a:t> </a:t>
             </a:r>
             <a:r>
-              <a:rPr lang="en-US" altLang="zh-CN" dirty="0" smtClean="0"/>
+              <a:rPr lang="en-US" altLang="zh-CN" dirty="0"/>
               <a:t>– </a:t>
             </a:r>
             <a:r>
-              <a:rPr lang="zh-CN" altLang="en-US" dirty="0" smtClean="0"/>
+              <a:rPr lang="zh-CN" altLang="en-US" dirty="0"/>
               <a:t>序言</a:t>
             </a:r>
-            <a:endParaRPr lang="zh-CN" altLang="en-US" dirty="0"/>
           </a:p>
         </p:txBody>
       </p:sp>
@@ -4399,31 +6948,23 @@
           <a:p>
             <a:r>
               <a:rPr lang="en-US" altLang="zh-CN" dirty="0" err="1"/>
-              <a:t>a</a:t>
-            </a:r>
-            <a:r>
-              <a:rPr lang="en-US" altLang="zh-CN" dirty="0" err="1" smtClean="0"/>
-              <a:t>aliis</a:t>
-            </a:r>
-            <a:endParaRPr lang="en-US" altLang="zh-CN" dirty="0" smtClean="0"/>
-          </a:p>
-          <a:p>
-            <a:r>
-              <a:rPr lang="en-US" altLang="zh-CN" dirty="0" err="1" smtClean="0"/>
+              <a:t>aaliis</a:t>
+            </a:r>
+            <a:endParaRPr lang="en-US" altLang="zh-CN" dirty="0"/>
+          </a:p>
+          <a:p>
+            <a:r>
+              <a:rPr lang="en-US" altLang="zh-CN" dirty="0" err="1"/>
               <a:t>estheriidae</a:t>
             </a:r>
-            <a:endParaRPr lang="en-US" altLang="zh-CN" dirty="0" smtClean="0"/>
+            <a:endParaRPr lang="en-US" altLang="zh-CN" dirty="0"/>
           </a:p>
           <a:p>
             <a:r>
               <a:rPr lang="en-US" altLang="zh-CN" dirty="0" err="1"/>
-              <a:t>i</a:t>
-            </a:r>
-            <a:r>
-              <a:rPr lang="en-US" altLang="zh-CN" dirty="0" err="1" smtClean="0"/>
-              <a:t>mmorigerousness</a:t>
-            </a:r>
-            <a:endParaRPr lang="en-US" altLang="zh-CN" dirty="0" smtClean="0"/>
+              <a:t>immorigerousness</a:t>
+            </a:r>
+            <a:endParaRPr lang="en-US" altLang="zh-CN" dirty="0"/>
           </a:p>
           <a:p>
             <a:r>
@@ -4434,10 +6975,10 @@
           </a:p>
           <a:p>
             <a:r>
-              <a:rPr lang="en-US" altLang="zh-CN" dirty="0" err="1" smtClean="0"/>
+              <a:rPr lang="en-US" altLang="zh-CN" dirty="0" err="1"/>
               <a:t>unplummeted</a:t>
             </a:r>
-            <a:endParaRPr lang="en-US" altLang="zh-CN" dirty="0" smtClean="0"/>
+            <a:endParaRPr lang="en-US" altLang="zh-CN" dirty="0"/>
           </a:p>
         </p:txBody>
       </p:sp>
@@ -4462,39 +7003,35 @@
           <a:lstStyle/>
           <a:p>
             <a:r>
-              <a:rPr lang="en-US" altLang="zh-CN" dirty="0" err="1" smtClean="0"/>
+              <a:rPr lang="en-US" altLang="zh-CN" dirty="0" err="1"/>
               <a:t>sweath</a:t>
             </a:r>
-            <a:endParaRPr lang="en-US" altLang="zh-CN" dirty="0" smtClean="0"/>
-          </a:p>
-          <a:p>
-            <a:r>
-              <a:rPr lang="en-US" altLang="zh-CN" dirty="0" err="1" smtClean="0"/>
+            <a:endParaRPr lang="en-US" altLang="zh-CN" dirty="0"/>
+          </a:p>
+          <a:p>
+            <a:r>
+              <a:rPr lang="en-US" altLang="zh-CN" dirty="0" err="1"/>
               <a:t>chavely</a:t>
             </a:r>
-            <a:endParaRPr lang="en-US" altLang="zh-CN" dirty="0" smtClean="0"/>
-          </a:p>
-          <a:p>
-            <a:r>
-              <a:rPr lang="en-US" altLang="zh-CN" dirty="0" err="1" smtClean="0"/>
+            <a:endParaRPr lang="en-US" altLang="zh-CN" dirty="0"/>
+          </a:p>
+          <a:p>
+            <a:r>
+              <a:rPr lang="en-US" altLang="zh-CN" dirty="0" err="1"/>
               <a:t>hattest</a:t>
             </a:r>
-            <a:endParaRPr lang="en-US" altLang="zh-CN" dirty="0" smtClean="0"/>
+            <a:endParaRPr lang="en-US" altLang="zh-CN" dirty="0"/>
           </a:p>
           <a:p>
             <a:r>
               <a:rPr lang="en-US" altLang="zh-CN" dirty="0" err="1"/>
-              <a:t>p</a:t>
-            </a:r>
-            <a:r>
-              <a:rPr lang="en-US" altLang="zh-CN" dirty="0" err="1" smtClean="0"/>
-              <a:t>agun</a:t>
-            </a:r>
-            <a:endParaRPr lang="en-US" altLang="zh-CN" dirty="0" smtClean="0"/>
-          </a:p>
-          <a:p>
-            <a:r>
-              <a:rPr lang="en-US" altLang="zh-CN" dirty="0" err="1" smtClean="0"/>
+              <a:t>pagun</a:t>
+            </a:r>
+            <a:endParaRPr lang="en-US" altLang="zh-CN" dirty="0"/>
+          </a:p>
+          <a:p>
+            <a:r>
+              <a:rPr lang="en-US" altLang="zh-CN" dirty="0" err="1"/>
               <a:t>suctent</a:t>
             </a:r>
             <a:endParaRPr lang="zh-CN" altLang="en-US" dirty="0"/>
@@ -4529,16 +7066,12 @@
               </a:lnSpc>
             </a:pPr>
             <a:r>
-              <a:rPr lang="zh-CN" altLang="en-US" sz="2800" dirty="0" smtClean="0">
+              <a:rPr lang="zh-CN" altLang="en-US" sz="2800" dirty="0">
                 <a:latin typeface="Arial" panose="020B0604020202020204" pitchFamily="34" charset="0"/>
                 <a:ea typeface="微软雅黑" panose="020B0503020204020204" pitchFamily="34" charset="-122"/>
               </a:rPr>
               <a:t>哪一边看起来像是真正的单词？</a:t>
             </a:r>
-            <a:endParaRPr lang="zh-CN" altLang="en-US" sz="2800" dirty="0" smtClean="0">
-              <a:latin typeface="Arial" panose="020B0604020202020204" pitchFamily="34" charset="0"/>
-              <a:ea typeface="微软雅黑" panose="020B0503020204020204" pitchFamily="34" charset="-122"/>
-            </a:endParaRPr>
           </a:p>
         </p:txBody>
       </p:sp>
@@ -4588,14 +7121,13 @@
           <a:lstStyle/>
           <a:p>
             <a:r>
-              <a:rPr lang="en-US" altLang="zh-CN" dirty="0" smtClean="0"/>
+              <a:rPr lang="en-US" altLang="zh-CN" dirty="0"/>
               <a:t>1.1 – </a:t>
             </a:r>
             <a:r>
-              <a:rPr lang="zh-CN" altLang="en-US" dirty="0" smtClean="0"/>
+              <a:rPr lang="zh-CN" altLang="en-US" dirty="0"/>
               <a:t>引言</a:t>
             </a:r>
-            <a:endParaRPr lang="zh-CN" altLang="en-US" dirty="0"/>
           </a:p>
         </p:txBody>
       </p:sp>
@@ -4615,33 +7147,32 @@
           <a:lstStyle/>
           <a:p>
             <a:r>
-              <a:rPr lang="zh-CN" altLang="en-US" dirty="0" smtClean="0"/>
+              <a:rPr lang="zh-CN" altLang="en-US" dirty="0"/>
               <a:t>猴子打字项目是什么？</a:t>
             </a:r>
-            <a:endParaRPr lang="en-US" altLang="zh-CN" dirty="0" smtClean="0"/>
-          </a:p>
-          <a:p>
-            <a:endParaRPr lang="en-US" altLang="zh-CN" dirty="0" smtClean="0"/>
-          </a:p>
-          <a:p>
             <a:endParaRPr lang="en-US" altLang="zh-CN" dirty="0"/>
           </a:p>
           <a:p>
-            <a:r>
-              <a:rPr lang="zh-CN" altLang="en-US" dirty="0" smtClean="0"/>
+            <a:endParaRPr lang="en-US" altLang="zh-CN" dirty="0"/>
+          </a:p>
+          <a:p>
+            <a:endParaRPr lang="en-US" altLang="zh-CN" dirty="0"/>
+          </a:p>
+          <a:p>
+            <a:r>
+              <a:rPr lang="zh-CN" altLang="en-US" dirty="0"/>
               <a:t>脸滚键盘能生成真正单词的概率如何？</a:t>
             </a:r>
-            <a:endParaRPr lang="en-US" altLang="zh-CN" dirty="0" smtClean="0"/>
-          </a:p>
-          <a:p>
             <a:endParaRPr lang="en-US" altLang="zh-CN" dirty="0"/>
           </a:p>
           <a:p>
-            <a:r>
-              <a:rPr lang="zh-CN" altLang="en-US" dirty="0" smtClean="0"/>
+            <a:endParaRPr lang="en-US" altLang="zh-CN" dirty="0"/>
+          </a:p>
+          <a:p>
+            <a:r>
+              <a:rPr lang="zh-CN" altLang="en-US" dirty="0"/>
               <a:t>我们能做到什么？</a:t>
             </a:r>
-            <a:endParaRPr lang="zh-CN" altLang="en-US" dirty="0"/>
           </a:p>
         </p:txBody>
       </p:sp>
@@ -4691,14 +7222,13 @@
           <a:lstStyle/>
           <a:p>
             <a:r>
-              <a:rPr lang="en-US" altLang="zh-CN" dirty="0" smtClean="0"/>
+              <a:rPr lang="en-US" altLang="zh-CN" dirty="0"/>
               <a:t>1.1 – </a:t>
             </a:r>
             <a:r>
-              <a:rPr lang="zh-CN" altLang="en-US" dirty="0" smtClean="0"/>
+              <a:rPr lang="zh-CN" altLang="en-US" dirty="0"/>
               <a:t>引言</a:t>
             </a:r>
-            <a:endParaRPr lang="zh-CN" altLang="en-US" dirty="0"/>
           </a:p>
         </p:txBody>
       </p:sp>
@@ -4718,99 +7248,90 @@
           <a:lstStyle/>
           <a:p>
             <a:r>
-              <a:rPr lang="zh-CN" altLang="en-US" dirty="0" smtClean="0"/>
+              <a:rPr lang="zh-CN" altLang="en-US" dirty="0"/>
               <a:t>猴子打字项目是什么？</a:t>
             </a:r>
-            <a:endParaRPr lang="en-US" altLang="zh-CN" dirty="0" smtClean="0"/>
-          </a:p>
-          <a:p>
-            <a:r>
-              <a:rPr lang="zh-CN" altLang="en-US" dirty="0"/>
-              <a:t>猴子打字</a:t>
-            </a:r>
-            <a:r>
-              <a:rPr lang="zh-CN" altLang="en-US" dirty="0" smtClean="0"/>
-              <a:t>项目是一个能够机器学习已有词库并且用一阶</a:t>
-            </a:r>
-            <a:endParaRPr lang="en-US" altLang="zh-CN" dirty="0" smtClean="0"/>
+            <a:endParaRPr lang="en-US" altLang="zh-CN" dirty="0"/>
+          </a:p>
+          <a:p>
+            <a:r>
+              <a:rPr lang="zh-CN" altLang="en-US" dirty="0"/>
+              <a:t>猴子打字项目是一个能够机器学习已有词库并且用一阶</a:t>
+            </a:r>
+            <a:endParaRPr lang="en-US" altLang="zh-CN" dirty="0"/>
           </a:p>
           <a:p>
             <a:pPr marL="0" indent="0">
               <a:buNone/>
             </a:pPr>
             <a:r>
-              <a:rPr lang="en-US" altLang="zh-CN" dirty="0" smtClean="0"/>
+              <a:rPr lang="en-US" altLang="zh-CN" dirty="0"/>
               <a:t>   </a:t>
             </a:r>
             <a:r>
-              <a:rPr lang="zh-CN" altLang="en-US" dirty="0" smtClean="0"/>
+              <a:rPr lang="zh-CN" altLang="en-US" dirty="0"/>
               <a:t>马尔可夫链生成伪单词的程序。</a:t>
             </a:r>
             <a:endParaRPr lang="en-US" altLang="zh-CN" dirty="0"/>
           </a:p>
           <a:p>
             <a:r>
-              <a:rPr lang="zh-CN" altLang="en-US" dirty="0" smtClean="0"/>
+              <a:rPr lang="zh-CN" altLang="en-US" dirty="0"/>
               <a:t>脸滚键盘能生成真正单词的概率如何？</a:t>
             </a:r>
-            <a:endParaRPr lang="en-US" altLang="zh-CN" dirty="0" smtClean="0"/>
-          </a:p>
-          <a:p>
-            <a:r>
-              <a:rPr lang="zh-CN" altLang="en-US" dirty="0" smtClean="0"/>
+            <a:endParaRPr lang="en-US" altLang="zh-CN" dirty="0"/>
+          </a:p>
+          <a:p>
+            <a:r>
+              <a:rPr lang="zh-CN" altLang="en-US" dirty="0"/>
               <a:t>是你连续买</a:t>
             </a:r>
             <a:r>
-              <a:rPr lang="en-US" altLang="zh-CN" dirty="0" smtClean="0"/>
+              <a:rPr lang="en-US" altLang="zh-CN" dirty="0"/>
               <a:t>4</a:t>
             </a:r>
             <a:r>
-              <a:rPr lang="zh-CN" altLang="en-US" dirty="0" smtClean="0"/>
+              <a:rPr lang="zh-CN" altLang="en-US" dirty="0"/>
               <a:t>张彩票，</a:t>
             </a:r>
             <a:r>
-              <a:rPr lang="en-US" altLang="zh-CN" dirty="0" smtClean="0"/>
+              <a:rPr lang="en-US" altLang="zh-CN" dirty="0"/>
               <a:t>3</a:t>
             </a:r>
             <a:r>
-              <a:rPr lang="zh-CN" altLang="en-US" dirty="0" smtClean="0"/>
+              <a:rPr lang="zh-CN" altLang="en-US" dirty="0"/>
               <a:t>张中</a:t>
             </a:r>
             <a:r>
-              <a:rPr lang="en-US" altLang="zh-CN" dirty="0" smtClean="0"/>
+              <a:rPr lang="en-US" altLang="zh-CN" dirty="0"/>
               <a:t>500</a:t>
             </a:r>
             <a:r>
-              <a:rPr lang="zh-CN" altLang="en-US" dirty="0" smtClean="0"/>
+              <a:rPr lang="zh-CN" altLang="en-US" dirty="0"/>
               <a:t>万的几率。</a:t>
             </a:r>
             <a:endParaRPr lang="en-US" altLang="zh-CN" dirty="0"/>
           </a:p>
           <a:p>
             <a:r>
-              <a:rPr lang="zh-CN" altLang="en-US" dirty="0" smtClean="0"/>
+              <a:rPr lang="zh-CN" altLang="en-US" dirty="0"/>
               <a:t>我们能做到什么？</a:t>
             </a:r>
-            <a:endParaRPr lang="en-US" altLang="zh-CN" dirty="0" smtClean="0"/>
-          </a:p>
-          <a:p>
-            <a:r>
-              <a:rPr lang="zh-CN" altLang="en-US" dirty="0"/>
-              <a:t>让生成</a:t>
-            </a:r>
-            <a:r>
-              <a:rPr lang="zh-CN" altLang="en-US" dirty="0" smtClean="0"/>
-              <a:t>的单词几乎全部可以满足发音规则，并且把生成真正单词的几率提升到</a:t>
-            </a:r>
-            <a:r>
-              <a:rPr lang="en-US" altLang="zh-CN" dirty="0" smtClean="0"/>
+            <a:endParaRPr lang="en-US" altLang="zh-CN" dirty="0"/>
+          </a:p>
+          <a:p>
+            <a:r>
+              <a:rPr lang="zh-CN" altLang="en-US" dirty="0"/>
+              <a:t>让生成的单词几乎全部可以满足发音规则，并且把生成真正单词的几率提升到</a:t>
+            </a:r>
+            <a:r>
+              <a:rPr lang="en-US" altLang="zh-CN" dirty="0"/>
               <a:t>20%</a:t>
             </a:r>
             <a:r>
-              <a:rPr lang="zh-CN" altLang="en-US" dirty="0" smtClean="0"/>
+              <a:rPr lang="zh-CN" altLang="en-US" dirty="0"/>
               <a:t>。</a:t>
             </a:r>
-            <a:endParaRPr lang="zh-CN" altLang="en-US" dirty="0"/>
           </a:p>
         </p:txBody>
       </p:sp>
@@ -4860,14 +7381,13 @@
           <a:lstStyle/>
           <a:p>
             <a:r>
-              <a:rPr lang="en-US" altLang="zh-CN" dirty="0" smtClean="0"/>
+              <a:rPr lang="en-US" altLang="zh-CN" dirty="0"/>
               <a:t>1.2 – </a:t>
             </a:r>
             <a:r>
-              <a:rPr lang="zh-CN" altLang="en-US" dirty="0" smtClean="0"/>
+              <a:rPr lang="zh-CN" altLang="en-US" dirty="0"/>
               <a:t>关键词</a:t>
             </a:r>
-            <a:endParaRPr lang="zh-CN" altLang="en-US" dirty="0"/>
           </a:p>
         </p:txBody>
       </p:sp>
@@ -4887,32 +7407,31 @@
           <a:lstStyle/>
           <a:p>
             <a:r>
-              <a:rPr lang="zh-CN" altLang="en-US" dirty="0" smtClean="0"/>
+              <a:rPr lang="zh-CN" altLang="en-US" dirty="0"/>
               <a:t>机器学习（</a:t>
             </a:r>
             <a:r>
-              <a:rPr lang="en-US" altLang="zh-CN" dirty="0" smtClean="0"/>
+              <a:rPr lang="en-US" altLang="zh-CN" dirty="0"/>
               <a:t>Machine Learning</a:t>
             </a:r>
             <a:r>
-              <a:rPr lang="zh-CN" altLang="en-US" dirty="0" smtClean="0"/>
+              <a:rPr lang="zh-CN" altLang="en-US" dirty="0"/>
               <a:t>）</a:t>
             </a:r>
-            <a:endParaRPr lang="en-US" altLang="zh-CN" dirty="0" smtClean="0"/>
-          </a:p>
-          <a:p>
-            <a:r>
-              <a:rPr lang="zh-CN" altLang="en-US" dirty="0" smtClean="0"/>
+            <a:endParaRPr lang="en-US" altLang="zh-CN" dirty="0"/>
+          </a:p>
+          <a:p>
+            <a:r>
+              <a:rPr lang="zh-CN" altLang="en-US" dirty="0"/>
               <a:t>马尔可夫链</a:t>
             </a:r>
-            <a:endParaRPr lang="en-US" altLang="zh-CN" dirty="0" smtClean="0"/>
-          </a:p>
-          <a:p>
-            <a:r>
-              <a:rPr lang="zh-CN" altLang="en-US" dirty="0" smtClean="0"/>
+            <a:endParaRPr lang="en-US" altLang="zh-CN" dirty="0"/>
+          </a:p>
+          <a:p>
+            <a:r>
+              <a:rPr lang="zh-CN" altLang="en-US" dirty="0"/>
               <a:t>生成单词</a:t>
             </a:r>
-            <a:endParaRPr lang="zh-CN" altLang="en-US" dirty="0"/>
           </a:p>
         </p:txBody>
       </p:sp>
@@ -4962,14 +7481,13 @@
           <a:lstStyle/>
           <a:p>
             <a:r>
-              <a:rPr lang="en-US" altLang="zh-CN" dirty="0" smtClean="0"/>
+              <a:rPr lang="en-US" altLang="zh-CN" dirty="0"/>
               <a:t>2.1 – </a:t>
             </a:r>
             <a:r>
-              <a:rPr lang="zh-CN" altLang="en-US" dirty="0" smtClean="0"/>
+              <a:rPr lang="zh-CN" altLang="en-US" dirty="0"/>
               <a:t>拆解单词</a:t>
             </a:r>
-            <a:endParaRPr lang="zh-CN" altLang="en-US" dirty="0"/>
           </a:p>
         </p:txBody>
       </p:sp>
@@ -4994,49 +7512,48 @@
           <a:lstStyle/>
           <a:p>
             <a:r>
-              <a:rPr lang="zh-CN" altLang="en-US" dirty="0" smtClean="0"/>
+              <a:rPr lang="zh-CN" altLang="en-US" dirty="0"/>
               <a:t>将一个单词拆成连续元音</a:t>
             </a:r>
             <a:r>
-              <a:rPr lang="en-US" altLang="zh-CN" dirty="0" smtClean="0"/>
+              <a:rPr lang="en-US" altLang="zh-CN" dirty="0"/>
               <a:t>+</a:t>
             </a:r>
             <a:r>
-              <a:rPr lang="zh-CN" altLang="en-US" dirty="0" smtClean="0"/>
+              <a:rPr lang="zh-CN" altLang="en-US" dirty="0"/>
               <a:t>连续辅音</a:t>
             </a:r>
             <a:r>
-              <a:rPr lang="en-US" altLang="zh-CN" dirty="0" smtClean="0"/>
+              <a:rPr lang="en-US" altLang="zh-CN" dirty="0"/>
               <a:t>+</a:t>
             </a:r>
             <a:r>
-              <a:rPr lang="zh-CN" altLang="en-US" dirty="0" smtClean="0"/>
+              <a:rPr lang="zh-CN" altLang="en-US" dirty="0"/>
               <a:t>连续元音</a:t>
             </a:r>
             <a:r>
-              <a:rPr lang="en-US" altLang="zh-CN" dirty="0" smtClean="0"/>
+              <a:rPr lang="en-US" altLang="zh-CN" dirty="0"/>
               <a:t>+</a:t>
             </a:r>
             <a:r>
-              <a:rPr lang="zh-CN" altLang="en-US" dirty="0" smtClean="0"/>
+              <a:rPr lang="zh-CN" altLang="en-US" dirty="0"/>
               <a:t>连续辅音</a:t>
             </a:r>
             <a:r>
-              <a:rPr lang="en-US" altLang="zh-CN" dirty="0" smtClean="0"/>
+              <a:rPr lang="en-US" altLang="zh-CN" dirty="0"/>
               <a:t>…… </a:t>
             </a:r>
             <a:r>
-              <a:rPr lang="zh-CN" altLang="en-US" dirty="0" smtClean="0"/>
+              <a:rPr lang="zh-CN" altLang="en-US" dirty="0"/>
               <a:t>的组合</a:t>
             </a:r>
-            <a:endParaRPr lang="en-US" altLang="zh-CN" dirty="0" smtClean="0"/>
-          </a:p>
-          <a:p>
-            <a:r>
-              <a:rPr lang="zh-CN" altLang="en-US" dirty="0" smtClean="0"/>
+            <a:endParaRPr lang="en-US" altLang="zh-CN" dirty="0"/>
+          </a:p>
+          <a:p>
+            <a:r>
+              <a:rPr lang="zh-CN" altLang="en-US" dirty="0"/>
               <a:t>例子如下</a:t>
             </a:r>
-            <a:endParaRPr lang="zh-CN" altLang="en-US" dirty="0"/>
           </a:p>
         </p:txBody>
       </p:sp>
@@ -5068,7 +7585,7 @@
               </a:lnSpc>
             </a:pPr>
             <a:r>
-              <a:rPr lang="en-US" altLang="zh-CN" sz="3200" dirty="0" smtClean="0">
+              <a:rPr lang="en-US" altLang="zh-CN" sz="3200" dirty="0">
                 <a:latin typeface="Arial" panose="020B0604020202020204" pitchFamily="34" charset="0"/>
                 <a:ea typeface="微软雅黑" panose="020B0503020204020204" pitchFamily="34" charset="-122"/>
               </a:rPr>
@@ -5088,7 +7605,7 @@
               </a:rPr>
               <a:t>↓</a:t>
             </a:r>
-            <a:endParaRPr lang="en-US" altLang="zh-CN" sz="3200" dirty="0" smtClean="0">
+            <a:endParaRPr lang="en-US" altLang="zh-CN" sz="3200" dirty="0">
               <a:latin typeface="Arial" panose="020B0604020202020204" pitchFamily="34" charset="0"/>
               <a:ea typeface="微软雅黑" panose="020B0503020204020204" pitchFamily="34" charset="-122"/>
             </a:endParaRPr>
@@ -5100,34 +7617,34 @@
               </a:lnSpc>
             </a:pPr>
             <a:r>
-              <a:rPr lang="en-US" altLang="zh-CN" sz="3200" dirty="0" err="1" smtClean="0">
+              <a:rPr lang="en-US" altLang="zh-CN" sz="3200" dirty="0" err="1">
                 <a:latin typeface="Arial" panose="020B0604020202020204" pitchFamily="34" charset="0"/>
                 <a:ea typeface="微软雅黑" panose="020B0503020204020204" pitchFamily="34" charset="-122"/>
               </a:rPr>
               <a:t>Tr</a:t>
             </a:r>
             <a:r>
-              <a:rPr lang="en-US" altLang="zh-CN" sz="3200" dirty="0" smtClean="0">
+              <a:rPr lang="en-US" altLang="zh-CN" sz="3200" dirty="0">
                 <a:latin typeface="Arial" panose="020B0604020202020204" pitchFamily="34" charset="0"/>
                 <a:ea typeface="微软雅黑" panose="020B0503020204020204" pitchFamily="34" charset="-122"/>
               </a:rPr>
               <a:t> a d I t </a:t>
             </a:r>
             <a:r>
-              <a:rPr lang="en-US" altLang="zh-CN" sz="3200" dirty="0" err="1" smtClean="0">
+              <a:rPr lang="en-US" altLang="zh-CN" sz="3200" dirty="0" err="1">
                 <a:latin typeface="Arial" panose="020B0604020202020204" pitchFamily="34" charset="0"/>
                 <a:ea typeface="微软雅黑" panose="020B0503020204020204" pitchFamily="34" charset="-122"/>
               </a:rPr>
               <a:t>io</a:t>
             </a:r>
             <a:r>
-              <a:rPr lang="en-US" altLang="zh-CN" sz="3200" dirty="0" smtClean="0">
+              <a:rPr lang="en-US" altLang="zh-CN" sz="3200" dirty="0">
                 <a:latin typeface="Arial" panose="020B0604020202020204" pitchFamily="34" charset="0"/>
                 <a:ea typeface="微软雅黑" panose="020B0503020204020204" pitchFamily="34" charset="-122"/>
               </a:rPr>
               <a:t> n a l</a:t>
             </a:r>
-            <a:endParaRPr lang="zh-CN" altLang="en-US" sz="3200" dirty="0" smtClean="0">
+            <a:endParaRPr lang="zh-CN" altLang="en-US" sz="3200" dirty="0">
               <a:latin typeface="Arial" panose="020B0604020202020204" pitchFamily="34" charset="0"/>
               <a:ea typeface="微软雅黑" panose="020B0503020204020204" pitchFamily="34" charset="-122"/>
             </a:endParaRPr>
@@ -5180,14 +7697,13 @@
           <a:lstStyle/>
           <a:p>
             <a:r>
-              <a:rPr lang="en-US" altLang="zh-CN" dirty="0" smtClean="0"/>
+              <a:rPr lang="en-US" altLang="zh-CN" dirty="0"/>
               <a:t>2.2 – </a:t>
             </a:r>
             <a:r>
-              <a:rPr lang="zh-CN" altLang="en-US" dirty="0" smtClean="0"/>
+              <a:rPr lang="zh-CN" altLang="en-US" dirty="0"/>
               <a:t>构筑图论模型</a:t>
             </a:r>
-            <a:endParaRPr lang="zh-CN" altLang="en-US" dirty="0"/>
           </a:p>
         </p:txBody>
       </p:sp>
@@ -5214,111 +7730,111 @@
           <a:lstStyle/>
           <a:p>
             <a:r>
-              <a:rPr lang="zh-CN" altLang="en-US" dirty="0" smtClean="0"/>
+              <a:rPr lang="zh-CN" altLang="en-US" dirty="0"/>
               <a:t>对于这个模型，我们需要有向无权图。将第</a:t>
             </a:r>
             <a:r>
-              <a:rPr lang="en-US" altLang="zh-CN" dirty="0" smtClean="0"/>
+              <a:rPr lang="en-US" altLang="zh-CN" dirty="0"/>
               <a:t>i</a:t>
             </a:r>
             <a:r>
-              <a:rPr lang="zh-CN" altLang="en-US" dirty="0" smtClean="0"/>
+              <a:rPr lang="zh-CN" altLang="en-US" dirty="0"/>
               <a:t>个字母组合像第</a:t>
             </a:r>
             <a:r>
-              <a:rPr lang="en-US" altLang="zh-CN" dirty="0" smtClean="0"/>
+              <a:rPr lang="en-US" altLang="zh-CN" dirty="0"/>
               <a:t>i+1</a:t>
             </a:r>
             <a:r>
-              <a:rPr lang="zh-CN" altLang="en-US" dirty="0" smtClean="0"/>
+              <a:rPr lang="zh-CN" altLang="en-US" dirty="0"/>
               <a:t>个字母组合连接一条边。</a:t>
             </a:r>
-            <a:endParaRPr lang="en-US" altLang="zh-CN" dirty="0" smtClean="0"/>
-          </a:p>
-          <a:p>
-            <a:r>
-              <a:rPr lang="zh-CN" altLang="en-US" dirty="0" smtClean="0"/>
+            <a:endParaRPr lang="en-US" altLang="zh-CN" dirty="0"/>
+          </a:p>
+          <a:p>
+            <a:r>
+              <a:rPr lang="zh-CN" altLang="en-US" dirty="0"/>
               <a:t>建立</a:t>
             </a:r>
             <a:r>
-              <a:rPr lang="en-US" altLang="zh-CN" dirty="0" smtClean="0"/>
+              <a:rPr lang="en-US" altLang="zh-CN" dirty="0"/>
               <a:t>start</a:t>
             </a:r>
             <a:r>
-              <a:rPr lang="zh-CN" altLang="en-US" dirty="0" smtClean="0"/>
+              <a:rPr lang="zh-CN" altLang="en-US" dirty="0"/>
               <a:t>节点，并向第</a:t>
             </a:r>
             <a:r>
-              <a:rPr lang="en-US" altLang="zh-CN" dirty="0" smtClean="0"/>
+              <a:rPr lang="en-US" altLang="zh-CN" dirty="0"/>
               <a:t>1</a:t>
             </a:r>
             <a:r>
-              <a:rPr lang="zh-CN" altLang="en-US" dirty="0" smtClean="0"/>
+              <a:rPr lang="zh-CN" altLang="en-US" dirty="0"/>
               <a:t>个组合连一条边</a:t>
             </a:r>
-            <a:endParaRPr lang="en-US" altLang="zh-CN" dirty="0" smtClean="0"/>
-          </a:p>
-          <a:p>
-            <a:r>
-              <a:rPr lang="zh-CN" altLang="en-US" dirty="0" smtClean="0"/>
+            <a:endParaRPr lang="en-US" altLang="zh-CN" dirty="0"/>
+          </a:p>
+          <a:p>
+            <a:r>
+              <a:rPr lang="zh-CN" altLang="en-US" dirty="0"/>
               <a:t>建立</a:t>
             </a:r>
             <a:r>
-              <a:rPr lang="en-US" altLang="zh-CN" dirty="0" smtClean="0"/>
+              <a:rPr lang="en-US" altLang="zh-CN" dirty="0"/>
               <a:t>end</a:t>
             </a:r>
             <a:r>
-              <a:rPr lang="zh-CN" altLang="en-US" dirty="0" smtClean="0"/>
+              <a:rPr lang="zh-CN" altLang="en-US" dirty="0"/>
               <a:t>节点，并从最后一个组合向其连一个边</a:t>
             </a:r>
             <a:endParaRPr lang="en-US" altLang="zh-CN" dirty="0"/>
           </a:p>
           <a:p>
             <a:r>
-              <a:rPr lang="zh-CN" altLang="en-US" dirty="0" smtClean="0"/>
+              <a:rPr lang="zh-CN" altLang="en-US" dirty="0"/>
               <a:t>例：我们采用</a:t>
             </a:r>
             <a:r>
-              <a:rPr lang="en-US" altLang="zh-CN" dirty="0" smtClean="0"/>
+              <a:rPr lang="en-US" altLang="zh-CN" dirty="0"/>
               <a:t>great</a:t>
             </a:r>
             <a:r>
-              <a:rPr lang="zh-CN" altLang="en-US" dirty="0" smtClean="0"/>
+              <a:rPr lang="zh-CN" altLang="en-US" dirty="0"/>
               <a:t>，</a:t>
             </a:r>
             <a:r>
-              <a:rPr lang="en-US" altLang="zh-CN" dirty="0" smtClean="0"/>
+              <a:rPr lang="en-US" altLang="zh-CN" dirty="0"/>
               <a:t>grasp</a:t>
             </a:r>
             <a:r>
-              <a:rPr lang="zh-CN" altLang="en-US" dirty="0" smtClean="0"/>
+              <a:rPr lang="zh-CN" altLang="en-US" dirty="0"/>
               <a:t>，</a:t>
             </a:r>
             <a:r>
-              <a:rPr lang="en-US" altLang="zh-CN" dirty="0" smtClean="0"/>
+              <a:rPr lang="en-US" altLang="zh-CN" dirty="0"/>
               <a:t>grease</a:t>
             </a:r>
             <a:r>
-              <a:rPr lang="zh-CN" altLang="en-US" dirty="0" smtClean="0"/>
+              <a:rPr lang="zh-CN" altLang="en-US" dirty="0"/>
               <a:t>和</a:t>
             </a:r>
             <a:r>
-              <a:rPr lang="en-US" altLang="zh-CN" dirty="0" smtClean="0"/>
+              <a:rPr lang="en-US" altLang="zh-CN" dirty="0"/>
               <a:t>good</a:t>
             </a:r>
             <a:r>
-              <a:rPr lang="zh-CN" altLang="en-US" dirty="0" smtClean="0"/>
+              <a:rPr lang="zh-CN" altLang="en-US" dirty="0"/>
               <a:t>这</a:t>
             </a:r>
             <a:r>
-              <a:rPr lang="en-US" altLang="zh-CN" dirty="0" smtClean="0"/>
+              <a:rPr lang="en-US" altLang="zh-CN" dirty="0"/>
               <a:t>4</a:t>
             </a:r>
             <a:r>
-              <a:rPr lang="zh-CN" altLang="en-US" dirty="0" smtClean="0"/>
+              <a:rPr lang="zh-CN" altLang="en-US" dirty="0"/>
               <a:t>个单词进行建图</a:t>
             </a:r>
-            <a:endParaRPr lang="en-US" altLang="zh-CN" dirty="0" smtClean="0"/>
+            <a:endParaRPr lang="en-US" altLang="zh-CN" dirty="0"/>
           </a:p>
         </p:txBody>
       </p:sp>
@@ -5395,14 +7911,13 @@
           <a:lstStyle/>
           <a:p>
             <a:r>
-              <a:rPr lang="en-US" altLang="zh-CN" dirty="0" smtClean="0"/>
+              <a:rPr lang="en-US" altLang="zh-CN" dirty="0"/>
               <a:t>2.2 – </a:t>
             </a:r>
             <a:r>
-              <a:rPr lang="zh-CN" altLang="en-US" dirty="0" smtClean="0"/>
+              <a:rPr lang="zh-CN" altLang="en-US" dirty="0"/>
               <a:t>构筑图论模型</a:t>
             </a:r>
-            <a:endParaRPr lang="zh-CN" altLang="en-US" dirty="0"/>
           </a:p>
         </p:txBody>
       </p:sp>
@@ -5429,113 +7944,101 @@
           <a:lstStyle/>
           <a:p>
             <a:r>
-              <a:rPr lang="zh-CN" altLang="en-US" dirty="0" smtClean="0"/>
+              <a:rPr lang="zh-CN" altLang="en-US" dirty="0"/>
               <a:t>接下来根据概率和随机生成的长度来生成单词，将路径上经过的所有节点连起来，就是一个新单词。</a:t>
             </a:r>
-            <a:endParaRPr lang="en-US" altLang="zh-CN" dirty="0" smtClean="0"/>
-          </a:p>
-          <a:p>
-            <a:r>
-              <a:rPr lang="zh-CN" altLang="en-US" dirty="0" smtClean="0"/>
+            <a:endParaRPr lang="en-US" altLang="zh-CN" dirty="0"/>
+          </a:p>
+          <a:p>
+            <a:r>
+              <a:rPr lang="zh-CN" altLang="en-US" dirty="0"/>
               <a:t>给定的词库里词量越多，可生成新单词的数量也就越多。</a:t>
             </a:r>
             <a:endParaRPr lang="en-US" altLang="zh-CN" dirty="0"/>
           </a:p>
           <a:p>
             <a:r>
-              <a:rPr lang="zh-CN" altLang="en-US" dirty="0" smtClean="0"/>
+              <a:rPr lang="zh-CN" altLang="en-US" dirty="0"/>
               <a:t>下面再来一个例子：</a:t>
             </a:r>
             <a:r>
-              <a:rPr lang="en-US" altLang="zh-CN" dirty="0" err="1" smtClean="0"/>
+              <a:rPr lang="en-US" altLang="zh-CN" dirty="0" err="1"/>
               <a:t>pumpkin+jumping</a:t>
             </a:r>
-            <a:endParaRPr lang="en-US" altLang="zh-CN" dirty="0" smtClean="0"/>
-          </a:p>
-          <a:p>
             <a:endParaRPr lang="en-US" altLang="zh-CN" dirty="0"/>
           </a:p>
           <a:p>
-            <a:r>
-              <a:rPr lang="zh-CN" altLang="en-US" dirty="0" smtClean="0"/>
+            <a:endParaRPr lang="en-US" altLang="zh-CN" dirty="0"/>
+          </a:p>
+          <a:p>
+            <a:r>
+              <a:rPr lang="zh-CN" altLang="en-US" dirty="0"/>
               <a:t>可以生成</a:t>
             </a:r>
-            <a:endParaRPr lang="en-US" altLang="zh-CN" dirty="0" smtClean="0"/>
-          </a:p>
-          <a:p>
-            <a:r>
-              <a:rPr lang="en-US" altLang="zh-CN" dirty="0"/>
-              <a:t>j</a:t>
-            </a:r>
-            <a:r>
-              <a:rPr lang="en-US" altLang="zh-CN" dirty="0" smtClean="0"/>
-              <a:t>umping </a:t>
-            </a:r>
-            <a:r>
-              <a:rPr lang="en-US" altLang="zh-CN" dirty="0" err="1" smtClean="0"/>
+            <a:endParaRPr lang="en-US" altLang="zh-CN" dirty="0"/>
+          </a:p>
+          <a:p>
+            <a:r>
+              <a:rPr lang="en-US" altLang="zh-CN" dirty="0"/>
+              <a:t>jumping </a:t>
+            </a:r>
+            <a:r>
+              <a:rPr lang="en-US" altLang="zh-CN" dirty="0" err="1"/>
               <a:t>jumpkin</a:t>
             </a:r>
-            <a:endParaRPr lang="en-US" altLang="zh-CN" dirty="0" smtClean="0"/>
-          </a:p>
-          <a:p>
-            <a:r>
-              <a:rPr lang="en-US" altLang="zh-CN" dirty="0" err="1" smtClean="0"/>
+            <a:endParaRPr lang="en-US" altLang="zh-CN" dirty="0"/>
+          </a:p>
+          <a:p>
+            <a:r>
+              <a:rPr lang="en-US" altLang="zh-CN" dirty="0" err="1"/>
               <a:t>jumpking</a:t>
             </a:r>
             <a:r>
-              <a:rPr lang="en-US" altLang="zh-CN" dirty="0" smtClean="0"/>
+              <a:rPr lang="en-US" altLang="zh-CN" dirty="0"/>
               <a:t> </a:t>
             </a:r>
             <a:r>
-              <a:rPr lang="en-US" altLang="zh-CN" dirty="0" err="1" smtClean="0"/>
+              <a:rPr lang="en-US" altLang="zh-CN" dirty="0" err="1"/>
               <a:t>jumpin</a:t>
             </a:r>
-            <a:endParaRPr lang="en-US" altLang="zh-CN" dirty="0" smtClean="0"/>
-          </a:p>
-          <a:p>
-            <a:r>
-              <a:rPr lang="en-US" altLang="zh-CN" dirty="0"/>
-              <a:t>p</a:t>
-            </a:r>
-            <a:r>
-              <a:rPr lang="en-US" altLang="zh-CN" dirty="0" smtClean="0"/>
-              <a:t>umping </a:t>
-            </a:r>
-            <a:r>
-              <a:rPr lang="en-US" altLang="zh-CN" dirty="0" err="1" smtClean="0"/>
+            <a:endParaRPr lang="en-US" altLang="zh-CN" dirty="0"/>
+          </a:p>
+          <a:p>
+            <a:r>
+              <a:rPr lang="en-US" altLang="zh-CN" dirty="0"/>
+              <a:t>pumping </a:t>
+            </a:r>
+            <a:r>
+              <a:rPr lang="en-US" altLang="zh-CN" dirty="0" err="1"/>
               <a:t>pumpin</a:t>
             </a:r>
-            <a:endParaRPr lang="en-US" altLang="zh-CN" dirty="0" smtClean="0"/>
-          </a:p>
-          <a:p>
-            <a:r>
-              <a:rPr lang="en-US" altLang="zh-CN" dirty="0"/>
-              <a:t>p</a:t>
-            </a:r>
-            <a:r>
-              <a:rPr lang="en-US" altLang="zh-CN" dirty="0" smtClean="0"/>
-              <a:t>umpkin </a:t>
-            </a:r>
-            <a:r>
-              <a:rPr lang="en-US" altLang="zh-CN" dirty="0" err="1" smtClean="0"/>
+            <a:endParaRPr lang="en-US" altLang="zh-CN" dirty="0"/>
+          </a:p>
+          <a:p>
+            <a:r>
+              <a:rPr lang="en-US" altLang="zh-CN" dirty="0"/>
+              <a:t>pumpkin </a:t>
+            </a:r>
+            <a:r>
+              <a:rPr lang="en-US" altLang="zh-CN" dirty="0" err="1"/>
               <a:t>pumpking</a:t>
             </a:r>
-            <a:endParaRPr lang="en-US" altLang="zh-CN" dirty="0" smtClean="0"/>
-          </a:p>
-          <a:p>
-            <a:r>
-              <a:rPr lang="zh-CN" altLang="en-US" dirty="0" smtClean="0"/>
+            <a:endParaRPr lang="en-US" altLang="zh-CN" dirty="0"/>
+          </a:p>
+          <a:p>
+            <a:r>
+              <a:rPr lang="zh-CN" altLang="en-US" dirty="0"/>
               <a:t>这</a:t>
             </a:r>
             <a:r>
-              <a:rPr lang="en-US" altLang="zh-CN" dirty="0" smtClean="0"/>
+              <a:rPr lang="en-US" altLang="zh-CN" dirty="0"/>
               <a:t>8</a:t>
             </a:r>
             <a:r>
-              <a:rPr lang="zh-CN" altLang="en-US" dirty="0" smtClean="0"/>
+              <a:rPr lang="zh-CN" altLang="en-US" dirty="0"/>
               <a:t>个单词</a:t>
             </a:r>
-            <a:endParaRPr lang="en-US" altLang="zh-CN" dirty="0" smtClean="0"/>
+            <a:endParaRPr lang="en-US" altLang="zh-CN" dirty="0"/>
           </a:p>
         </p:txBody>
       </p:sp>
@@ -5823,7 +8326,7 @@
   <a:extraClrSchemeLst/>
   <a:extLst>
     <a:ext uri="{05A4C25C-085E-4340-85A3-A5531E510DB2}">
-      <thm15:themeFamily xmlns:thm15="http://schemas.microsoft.com/office/thememl/2012/main" xmlns="" name="Office Theme" id="{62F939B6-93AF-4DB8-9C6B-D6C7DFDC589F}" vid="{4A3C46E8-61CC-4603-A589-7422A47A8E4A}"/>
+      <thm15:themeFamily xmlns:thm15="http://schemas.microsoft.com/office/thememl/2012/main" name="Office Theme" id="{62F939B6-93AF-4DB8-9C6B-D6C7DFDC589F}" vid="{4A3C46E8-61CC-4603-A589-7422A47A8E4A}"/>
     </a:ext>
   </a:extLst>
 </a:theme>

--- a/result/ppt/猴子打字计划.pptx
+++ b/result/ppt/猴子打字计划.pptx
@@ -4444,8 +4444,8 @@
           </a:p>
         </p:txBody>
       </p:sp>
-      <mc:AlternateContent xmlns:mc="http://schemas.openxmlformats.org/markup-compatibility/2006">
-        <mc:Choice xmlns:a14="http://schemas.microsoft.com/office/drawing/2010/main" Requires="a14">
+      <mc:AlternateContent xmlns:mc="http://schemas.openxmlformats.org/markup-compatibility/2006" xmlns:a14="http://schemas.microsoft.com/office/drawing/2010/main">
+        <mc:Choice Requires="a14">
           <p:sp>
             <p:nvSpPr>
               <p:cNvPr id="3" name="内容占位符 2">
@@ -4496,19 +4496,27 @@
                 <a14:m>
                   <m:oMath xmlns:m="http://schemas.openxmlformats.org/officeDocument/2006/math">
                     <m:r>
-                      <a:rPr lang="en-US" altLang="zh-CN" i="1"/>
+                      <a:rPr lang="en-US" altLang="zh-CN" i="1">
+                        <a:latin typeface="Cambria Math" panose="02040503050406030204" pitchFamily="18" charset="0"/>
+                      </a:rPr>
                       <m:t>𝛩</m:t>
                     </m:r>
                     <m:r>
-                      <a:rPr lang="en-US" altLang="zh-CN" i="1"/>
+                      <a:rPr lang="en-US" altLang="zh-CN" i="1">
+                        <a:latin typeface="Cambria Math" panose="02040503050406030204" pitchFamily="18" charset="0"/>
+                      </a:rPr>
                       <m:t>(4300|</m:t>
                     </m:r>
                     <m:r>
-                      <a:rPr lang="en-US" altLang="zh-CN" i="1"/>
+                      <a:rPr lang="en-US" altLang="zh-CN" i="1">
+                        <a:latin typeface="Cambria Math" panose="02040503050406030204" pitchFamily="18" charset="0"/>
+                      </a:rPr>
                       <m:t>𝑠</m:t>
                     </m:r>
                     <m:r>
-                      <a:rPr lang="en-US" altLang="zh-CN" i="1"/>
+                      <a:rPr lang="en-US" altLang="zh-CN" i="1">
+                        <a:latin typeface="Cambria Math" panose="02040503050406030204" pitchFamily="18" charset="0"/>
+                      </a:rPr>
                       <m:t>|)</m:t>
                     </m:r>
                   </m:oMath>
@@ -4520,15 +4528,21 @@
                 <a14:m>
                   <m:oMath xmlns:m="http://schemas.openxmlformats.org/officeDocument/2006/math">
                     <m:r>
-                      <a:rPr lang="en-US" altLang="zh-CN" i="1"/>
+                      <a:rPr lang="en-US" altLang="zh-CN" i="1">
+                        <a:latin typeface="Cambria Math" panose="02040503050406030204" pitchFamily="18" charset="0"/>
+                      </a:rPr>
                       <m:t>|</m:t>
                     </m:r>
                     <m:r>
-                      <a:rPr lang="en-US" altLang="zh-CN" i="1"/>
+                      <a:rPr lang="en-US" altLang="zh-CN" i="1">
+                        <a:latin typeface="Cambria Math" panose="02040503050406030204" pitchFamily="18" charset="0"/>
+                      </a:rPr>
                       <m:t>𝑠</m:t>
                     </m:r>
                     <m:r>
-                      <a:rPr lang="en-US" altLang="zh-CN" i="1"/>
+                      <a:rPr lang="en-US" altLang="zh-CN" i="1">
+                        <a:latin typeface="Cambria Math" panose="02040503050406030204" pitchFamily="18" charset="0"/>
+                      </a:rPr>
                       <m:t>|</m:t>
                     </m:r>
                   </m:oMath>
@@ -4549,7 +4563,7 @@
             </p:txBody>
           </p:sp>
         </mc:Choice>
-        <mc:Fallback>
+        <mc:Fallback xmlns="">
           <p:sp>
             <p:nvSpPr>
               <p:cNvPr id="3" name="内容占位符 2">
@@ -4667,8 +4681,8 @@
           </a:p>
         </p:txBody>
       </p:sp>
-      <mc:AlternateContent xmlns:mc="http://schemas.openxmlformats.org/markup-compatibility/2006">
-        <mc:Choice xmlns:a14="http://schemas.microsoft.com/office/drawing/2010/main" Requires="a14">
+      <mc:AlternateContent xmlns:mc="http://schemas.openxmlformats.org/markup-compatibility/2006" xmlns:a14="http://schemas.microsoft.com/office/drawing/2010/main">
+        <mc:Choice Requires="a14">
           <p:sp>
             <p:nvSpPr>
               <p:cNvPr id="3" name="内容占位符 2">
@@ -4745,30 +4759,42 @@
                 <a14:m>
                   <m:oMath xmlns:m="http://schemas.openxmlformats.org/officeDocument/2006/math">
                     <m:r>
-                      <a:rPr lang="en-US" altLang="zh-CN" i="1"/>
+                      <a:rPr lang="en-US" altLang="zh-CN" i="1">
+                        <a:latin typeface="Cambria Math" panose="02040503050406030204" pitchFamily="18" charset="0"/>
+                      </a:rPr>
                       <m:t>𝛩</m:t>
                     </m:r>
                     <m:r>
-                      <a:rPr lang="en-US" altLang="zh-CN" i="1"/>
+                      <a:rPr lang="en-US" altLang="zh-CN" i="1">
+                        <a:latin typeface="Cambria Math" panose="02040503050406030204" pitchFamily="18" charset="0"/>
+                      </a:rPr>
                       <m:t>(</m:t>
                     </m:r>
                     <m:r>
                       <m:rPr>
                         <m:sty m:val="p"/>
                       </m:rPr>
-                      <a:rPr lang="en-US" altLang="zh-CN"/>
+                      <a:rPr lang="en-US" altLang="zh-CN">
+                        <a:latin typeface="Cambria Math" panose="02040503050406030204" pitchFamily="18" charset="0"/>
+                      </a:rPr>
                       <m:t>log</m:t>
                     </m:r>
                     <m:r>
-                      <a:rPr lang="en-US" altLang="zh-CN" i="1"/>
+                      <a:rPr lang="en-US" altLang="zh-CN" i="1">
+                        <a:latin typeface="Cambria Math" panose="02040503050406030204" pitchFamily="18" charset="0"/>
+                      </a:rPr>
                       <m:t> </m:t>
                     </m:r>
                     <m:r>
-                      <a:rPr lang="en-US" altLang="zh-CN" i="1"/>
+                      <a:rPr lang="en-US" altLang="zh-CN" i="1">
+                        <a:latin typeface="Cambria Math" panose="02040503050406030204" pitchFamily="18" charset="0"/>
+                      </a:rPr>
                       <m:t>𝑁</m:t>
                     </m:r>
                     <m:r>
-                      <a:rPr lang="en-US" altLang="zh-CN" i="1"/>
+                      <a:rPr lang="en-US" altLang="zh-CN" i="1">
+                        <a:latin typeface="Cambria Math" panose="02040503050406030204" pitchFamily="18" charset="0"/>
+                      </a:rPr>
                       <m:t>)</m:t>
                     </m:r>
                   </m:oMath>
@@ -4787,7 +4813,7 @@
             </p:txBody>
           </p:sp>
         </mc:Choice>
-        <mc:Fallback>
+        <mc:Fallback xmlns="">
           <p:sp>
             <p:nvSpPr>
               <p:cNvPr id="3" name="内容占位符 2">
@@ -6143,8 +6169,8 @@
           </a:p>
         </p:txBody>
       </p:sp>
-      <mc:AlternateContent xmlns:mc="http://schemas.openxmlformats.org/markup-compatibility/2006">
-        <mc:Choice xmlns:a14="http://schemas.microsoft.com/office/drawing/2010/main" Requires="a14">
+      <mc:AlternateContent xmlns:mc="http://schemas.openxmlformats.org/markup-compatibility/2006" xmlns:a14="http://schemas.microsoft.com/office/drawing/2010/main">
+        <mc:Choice Requires="a14">
           <p:sp>
             <p:nvSpPr>
               <p:cNvPr id="3" name="内容占位符 2">
@@ -6183,11 +6209,15 @@
                 <a14:m>
                   <m:oMath xmlns:m="http://schemas.openxmlformats.org/officeDocument/2006/math">
                     <m:r>
-                      <a:rPr lang="en-US" altLang="zh-CN" i="1"/>
+                      <a:rPr lang="en-US" altLang="zh-CN" i="1">
+                        <a:latin typeface="Cambria Math" panose="02040503050406030204" pitchFamily="18" charset="0"/>
+                      </a:rPr>
                       <m:t>∑</m:t>
                     </m:r>
                     <m:r>
-                      <a:rPr lang="en-US" altLang="zh-CN" i="1"/>
+                      <a:rPr lang="en-US" altLang="zh-CN" i="1">
+                        <a:latin typeface="Cambria Math" panose="02040503050406030204" pitchFamily="18" charset="0"/>
+                      </a:rPr>
                       <m:t>𝑝𝑟𝑜𝑝</m:t>
                     </m:r>
                   </m:oMath>
@@ -6199,15 +6229,21 @@
                 <a14:m>
                   <m:oMath xmlns:m="http://schemas.openxmlformats.org/officeDocument/2006/math">
                     <m:r>
-                      <a:rPr lang="en-US" altLang="zh-CN" i="1"/>
+                      <a:rPr lang="en-US" altLang="zh-CN" i="1">
+                        <a:latin typeface="Cambria Math" panose="02040503050406030204" pitchFamily="18" charset="0"/>
+                      </a:rPr>
                       <m:t>[0,∑</m:t>
                     </m:r>
                     <m:r>
-                      <a:rPr lang="en-US" altLang="zh-CN" i="1"/>
+                      <a:rPr lang="en-US" altLang="zh-CN" i="1">
+                        <a:latin typeface="Cambria Math" panose="02040503050406030204" pitchFamily="18" charset="0"/>
+                      </a:rPr>
                       <m:t>𝑝𝑟𝑜𝑝</m:t>
                     </m:r>
                     <m:r>
-                      <a:rPr lang="en-US" altLang="zh-CN" i="1"/>
+                      <a:rPr lang="en-US" altLang="zh-CN" i="1">
+                        <a:latin typeface="Cambria Math" panose="02040503050406030204" pitchFamily="18" charset="0"/>
+                      </a:rPr>
                       <m:t>)</m:t>
                     </m:r>
                   </m:oMath>
@@ -6253,29 +6289,39 @@
                     <m:f>
                       <m:fPr>
                         <m:ctrlPr>
-                          <a:rPr lang="zh-CN" altLang="zh-CN" i="1"/>
+                          <a:rPr lang="zh-CN" altLang="zh-CN" i="1">
+                            <a:latin typeface="Cambria Math" panose="02040503050406030204" pitchFamily="18" charset="0"/>
+                          </a:rPr>
                         </m:ctrlPr>
                       </m:fPr>
                       <m:num>
                         <m:r>
-                          <a:rPr lang="en-US" altLang="zh-CN" i="1"/>
+                          <a:rPr lang="en-US" altLang="zh-CN" i="1">
+                            <a:latin typeface="Cambria Math" panose="02040503050406030204" pitchFamily="18" charset="0"/>
+                          </a:rPr>
                           <m:t>𝑝𝑟𝑜</m:t>
                         </m:r>
                         <m:sSub>
                           <m:sSubPr>
                             <m:ctrlPr>
-                              <a:rPr lang="zh-CN" altLang="zh-CN" i="1"/>
+                              <a:rPr lang="zh-CN" altLang="zh-CN" i="1">
+                                <a:latin typeface="Cambria Math" panose="02040503050406030204" pitchFamily="18" charset="0"/>
+                              </a:rPr>
                             </m:ctrlPr>
                           </m:sSubPr>
                           <m:e>
                             <m:r>
-                              <a:rPr lang="en-US" altLang="zh-CN" i="1"/>
+                              <a:rPr lang="en-US" altLang="zh-CN" i="1">
+                                <a:latin typeface="Cambria Math" panose="02040503050406030204" pitchFamily="18" charset="0"/>
+                              </a:rPr>
                               <m:t>𝑝</m:t>
                             </m:r>
                           </m:e>
                           <m:sub>
                             <m:r>
-                              <a:rPr lang="en-US" altLang="zh-CN" i="1"/>
+                              <a:rPr lang="en-US" altLang="zh-CN" i="1">
+                                <a:latin typeface="Cambria Math" panose="02040503050406030204" pitchFamily="18" charset="0"/>
+                              </a:rPr>
                               <m:t>𝑖</m:t>
                             </m:r>
                           </m:sub>
@@ -6283,11 +6329,15 @@
                       </m:num>
                       <m:den>
                         <m:r>
-                          <a:rPr lang="en-US" altLang="zh-CN" i="1"/>
+                          <a:rPr lang="en-US" altLang="zh-CN" i="1">
+                            <a:latin typeface="Cambria Math" panose="02040503050406030204" pitchFamily="18" charset="0"/>
+                          </a:rPr>
                           <m:t>∑</m:t>
                         </m:r>
                         <m:r>
-                          <a:rPr lang="en-US" altLang="zh-CN" i="1"/>
+                          <a:rPr lang="en-US" altLang="zh-CN" i="1">
+                            <a:latin typeface="Cambria Math" panose="02040503050406030204" pitchFamily="18" charset="0"/>
+                          </a:rPr>
                           <m:t>𝑝𝑟𝑜𝑝</m:t>
                         </m:r>
                       </m:den>
@@ -6306,7 +6356,7 @@
             </p:txBody>
           </p:sp>
         </mc:Choice>
-        <mc:Fallback>
+        <mc:Fallback xmlns="">
           <p:sp>
             <p:nvSpPr>
               <p:cNvPr id="3" name="内容占位符 2">
